--- a/android/matrix-master/samples/sample-android/matrix使用.pptx
+++ b/android/matrix-master/samples/sample-android/matrix使用.pptx
@@ -10,7 +10,7 @@
     <p:sldMasterId id="2147483713" r:id="rId6"/>
   </p:sldMasterIdLst>
   <p:notesMasterIdLst>
-    <p:notesMasterId r:id="rId40"/>
+    <p:notesMasterId r:id="rId42"/>
   </p:notesMasterIdLst>
   <p:sldIdLst>
     <p:sldId id="256" r:id="rId7"/>
@@ -37,15 +37,17 @@
     <p:sldId id="274" r:id="rId28"/>
     <p:sldId id="288" r:id="rId29"/>
     <p:sldId id="275" r:id="rId30"/>
-    <p:sldId id="276" r:id="rId31"/>
-    <p:sldId id="277" r:id="rId32"/>
-    <p:sldId id="278" r:id="rId33"/>
-    <p:sldId id="279" r:id="rId34"/>
-    <p:sldId id="280" r:id="rId35"/>
-    <p:sldId id="281" r:id="rId36"/>
-    <p:sldId id="282" r:id="rId37"/>
-    <p:sldId id="283" r:id="rId38"/>
-    <p:sldId id="284" r:id="rId39"/>
+    <p:sldId id="289" r:id="rId31"/>
+    <p:sldId id="276" r:id="rId32"/>
+    <p:sldId id="277" r:id="rId33"/>
+    <p:sldId id="278" r:id="rId34"/>
+    <p:sldId id="290" r:id="rId35"/>
+    <p:sldId id="279" r:id="rId36"/>
+    <p:sldId id="280" r:id="rId37"/>
+    <p:sldId id="281" r:id="rId38"/>
+    <p:sldId id="282" r:id="rId39"/>
+    <p:sldId id="283" r:id="rId40"/>
+    <p:sldId id="284" r:id="rId41"/>
   </p:sldIdLst>
   <p:sldSz cx="12192000" cy="6858000"/>
   <p:notesSz cx="6858000" cy="9144000"/>
@@ -144,6 +146,11 @@
       </a:defRPr>
     </a:lvl9pPr>
   </p:defaultTextStyle>
+  <p:extLst>
+    <p:ext uri="{EFAFB233-063F-42B5-8137-9DF3F51BA10A}">
+      <p15:sldGuideLst xmlns:p15="http://schemas.microsoft.com/office/powerpoint/2012/main"/>
+    </p:ext>
+  </p:extLst>
 </p:presentation>
 </file>
 
@@ -971,7 +978,7 @@
                 <a:latin typeface="+mn-lt"/>
                 <a:ea typeface="+mn-ea"/>
               </a:rPr>
-              <a:t>29</a:t>
+              <a:t>31</a:t>
             </a:fld>
             <a:endParaRPr lang="en-US" sz="1200" b="0" strike="noStrike" spc="-1">
               <a:latin typeface="Arial"/>
@@ -1101,7 +1108,7 @@
                 <a:latin typeface="+mn-lt"/>
                 <a:ea typeface="+mn-ea"/>
               </a:rPr>
-              <a:t>33</a:t>
+              <a:t>35</a:t>
             </a:fld>
             <a:endParaRPr lang="en-US" sz="1200" b="0" strike="noStrike" spc="-1">
               <a:latin typeface="Arial"/>
@@ -19899,171 +19906,38 @@
       </p:grpSpPr>
       <p:pic>
         <p:nvPicPr>
-          <p:cNvPr id="403" name="图片 346"/>
-          <p:cNvPicPr/>
+          <p:cNvPr id="4" name="图片 3"/>
+          <p:cNvPicPr>
+            <a:picLocks noChangeAspect="1"/>
+          </p:cNvPicPr>
           <p:nvPr/>
         </p:nvPicPr>
         <p:blipFill>
           <a:blip r:embed="rId2"/>
-          <a:stretch/>
+          <a:stretch>
+            <a:fillRect/>
+          </a:stretch>
         </p:blipFill>
         <p:spPr>
           <a:xfrm>
-            <a:off x="864000" y="1368000"/>
-            <a:ext cx="8628840" cy="3618720"/>
-          </a:xfrm>
-          <a:prstGeom prst="rect">
-            <a:avLst/>
-          </a:prstGeom>
-          <a:ln>
-            <a:noFill/>
-          </a:ln>
+            <a:off x="1003495" y="523239"/>
+            <a:ext cx="10109982" cy="5624343"/>
+          </a:xfrm>
+          <a:prstGeom prst="rect">
+            <a:avLst/>
+          </a:prstGeom>
         </p:spPr>
       </p:pic>
-      <p:sp>
-        <p:nvSpPr>
-          <p:cNvPr id="404" name="CustomShape 1"/>
-          <p:cNvSpPr/>
-          <p:nvPr/>
-        </p:nvSpPr>
-        <p:spPr>
-          <a:xfrm>
-            <a:off x="864000" y="5259240"/>
-            <a:ext cx="7127640" cy="428400"/>
-          </a:xfrm>
-          <a:prstGeom prst="rect">
-            <a:avLst/>
-          </a:prstGeom>
-          <a:noFill/>
-          <a:ln>
-            <a:noFill/>
-          </a:ln>
-        </p:spPr>
-        <p:style>
-          <a:lnRef idx="0">
-            <a:scrgbClr r="0" g="0" b="0"/>
-          </a:lnRef>
-          <a:fillRef idx="0">
-            <a:scrgbClr r="0" g="0" b="0"/>
-          </a:fillRef>
-          <a:effectRef idx="0">
-            <a:scrgbClr r="0" g="0" b="0"/>
-          </a:effectRef>
-          <a:fontRef idx="minor"/>
-        </p:style>
-        <p:txBody>
-          <a:bodyPr lIns="90000" tIns="45000" rIns="90000" bIns="45000"/>
-          <a:lstStyle/>
-          <a:p>
-            <a:pPr>
-              <a:lnSpc>
-                <a:spcPct val="100000"/>
-              </a:lnSpc>
-            </a:pPr>
-            <a:r>
-              <a:rPr lang="en-US" sz="1800" b="0" strike="noStrike" spc="-1">
-                <a:solidFill>
-                  <a:srgbClr val="000000"/>
-                </a:solidFill>
-                <a:latin typeface="Arial"/>
-                <a:ea typeface="DejaVu Sans"/>
-              </a:rPr>
-              <a:t>替换read和write等方法为自己的</a:t>
-            </a:r>
-            <a:endParaRPr lang="en-US" sz="1800" b="0" strike="noStrike" spc="-1">
-              <a:latin typeface="Arial"/>
-            </a:endParaRPr>
-          </a:p>
-        </p:txBody>
-      </p:sp>
-      <p:sp>
-        <p:nvSpPr>
-          <p:cNvPr id="405" name="CustomShape 2"/>
-          <p:cNvSpPr/>
-          <p:nvPr/>
-        </p:nvSpPr>
-        <p:spPr>
-          <a:xfrm>
-            <a:off x="792000" y="432000"/>
-            <a:ext cx="5183640" cy="428400"/>
-          </a:xfrm>
-          <a:prstGeom prst="rect">
-            <a:avLst/>
-          </a:prstGeom>
-          <a:noFill/>
-          <a:ln>
-            <a:noFill/>
-          </a:ln>
-        </p:spPr>
-        <p:style>
-          <a:lnRef idx="0">
-            <a:scrgbClr r="0" g="0" b="0"/>
-          </a:lnRef>
-          <a:fillRef idx="0">
-            <a:scrgbClr r="0" g="0" b="0"/>
-          </a:fillRef>
-          <a:effectRef idx="0">
-            <a:scrgbClr r="0" g="0" b="0"/>
-          </a:effectRef>
-          <a:fontRef idx="minor"/>
-        </p:style>
-        <p:txBody>
-          <a:bodyPr lIns="90000" tIns="45000" rIns="90000" bIns="45000"/>
-          <a:lstStyle/>
-          <a:p>
-            <a:pPr>
-              <a:lnSpc>
-                <a:spcPct val="100000"/>
-              </a:lnSpc>
-            </a:pPr>
-            <a:r>
-              <a:rPr lang="en-US" sz="1800" b="0" strike="noStrike" spc="-1">
-                <a:solidFill>
-                  <a:srgbClr val="000000"/>
-                </a:solidFill>
-                <a:latin typeface="Arial"/>
-                <a:ea typeface="DejaVu Sans"/>
-              </a:rPr>
-              <a:t>统计io时长、次数以及缓存大小</a:t>
-            </a:r>
-            <a:endParaRPr lang="en-US" sz="1800" b="0" strike="noStrike" spc="-1">
-              <a:latin typeface="Arial"/>
-            </a:endParaRPr>
-          </a:p>
-        </p:txBody>
-      </p:sp>
     </p:spTree>
+    <p:extLst>
+      <p:ext uri="{BB962C8B-B14F-4D97-AF65-F5344CB8AC3E}">
+        <p14:creationId xmlns:p14="http://schemas.microsoft.com/office/powerpoint/2010/main" val="566698453"/>
+      </p:ext>
+    </p:extLst>
   </p:cSld>
   <p:clrMapOvr>
     <a:masterClrMapping/>
   </p:clrMapOvr>
-  <p:timing>
-    <p:tnLst>
-      <p:par>
-        <p:cTn id="1" dur="indefinite" restart="never" nodeType="tmRoot">
-          <p:childTnLst>
-            <p:seq>
-              <p:cTn id="2" dur="indefinite" nodeType="mainSeq"/>
-              <p:prevCondLst>
-                <p:cond evt="onPrev" delay="0">
-                  <p:tgtEl>
-                    <p:sldTgt/>
-                  </p:tgtEl>
-                </p:cond>
-              </p:prevCondLst>
-              <p:nextCondLst>
-                <p:cond evt="onNext" delay="0">
-                  <p:tgtEl>
-                    <p:sldTgt/>
-                  </p:tgtEl>
-                </p:cond>
-              </p:nextCondLst>
-            </p:seq>
-          </p:childTnLst>
-        </p:cTn>
-      </p:par>
-    </p:tnLst>
-  </p:timing>
 </p:sld>
 </file>
 
@@ -20086,7 +19960,7 @@
       </p:grpSpPr>
       <p:pic>
         <p:nvPicPr>
-          <p:cNvPr id="406" name="图片 349"/>
+          <p:cNvPr id="403" name="图片 346"/>
           <p:cNvPicPr/>
           <p:nvPr/>
         </p:nvPicPr>
@@ -20096,8 +19970,8 @@
         </p:blipFill>
         <p:spPr>
           <a:xfrm>
-            <a:off x="936000" y="648000"/>
-            <a:ext cx="7609680" cy="3637800"/>
+            <a:off x="864000" y="1368000"/>
+            <a:ext cx="8628840" cy="3618720"/>
           </a:xfrm>
           <a:prstGeom prst="rect">
             <a:avLst/>
@@ -20107,6 +19981,118 @@
           </a:ln>
         </p:spPr>
       </p:pic>
+      <p:sp>
+        <p:nvSpPr>
+          <p:cNvPr id="404" name="CustomShape 1"/>
+          <p:cNvSpPr/>
+          <p:nvPr/>
+        </p:nvSpPr>
+        <p:spPr>
+          <a:xfrm>
+            <a:off x="864000" y="5259240"/>
+            <a:ext cx="7127640" cy="428400"/>
+          </a:xfrm>
+          <a:prstGeom prst="rect">
+            <a:avLst/>
+          </a:prstGeom>
+          <a:noFill/>
+          <a:ln>
+            <a:noFill/>
+          </a:ln>
+        </p:spPr>
+        <p:style>
+          <a:lnRef idx="0">
+            <a:scrgbClr r="0" g="0" b="0"/>
+          </a:lnRef>
+          <a:fillRef idx="0">
+            <a:scrgbClr r="0" g="0" b="0"/>
+          </a:fillRef>
+          <a:effectRef idx="0">
+            <a:scrgbClr r="0" g="0" b="0"/>
+          </a:effectRef>
+          <a:fontRef idx="minor"/>
+        </p:style>
+        <p:txBody>
+          <a:bodyPr lIns="90000" tIns="45000" rIns="90000" bIns="45000"/>
+          <a:lstStyle/>
+          <a:p>
+            <a:pPr>
+              <a:lnSpc>
+                <a:spcPct val="100000"/>
+              </a:lnSpc>
+            </a:pPr>
+            <a:r>
+              <a:rPr lang="en-US" sz="1800" b="0" strike="noStrike" spc="-1">
+                <a:solidFill>
+                  <a:srgbClr val="000000"/>
+                </a:solidFill>
+                <a:latin typeface="Arial"/>
+                <a:ea typeface="DejaVu Sans"/>
+              </a:rPr>
+              <a:t>替换read和write等方法为自己的</a:t>
+            </a:r>
+            <a:endParaRPr lang="en-US" sz="1800" b="0" strike="noStrike" spc="-1">
+              <a:latin typeface="Arial"/>
+            </a:endParaRPr>
+          </a:p>
+        </p:txBody>
+      </p:sp>
+      <p:sp>
+        <p:nvSpPr>
+          <p:cNvPr id="405" name="CustomShape 2"/>
+          <p:cNvSpPr/>
+          <p:nvPr/>
+        </p:nvSpPr>
+        <p:spPr>
+          <a:xfrm>
+            <a:off x="792000" y="432000"/>
+            <a:ext cx="5183640" cy="428400"/>
+          </a:xfrm>
+          <a:prstGeom prst="rect">
+            <a:avLst/>
+          </a:prstGeom>
+          <a:noFill/>
+          <a:ln>
+            <a:noFill/>
+          </a:ln>
+        </p:spPr>
+        <p:style>
+          <a:lnRef idx="0">
+            <a:scrgbClr r="0" g="0" b="0"/>
+          </a:lnRef>
+          <a:fillRef idx="0">
+            <a:scrgbClr r="0" g="0" b="0"/>
+          </a:fillRef>
+          <a:effectRef idx="0">
+            <a:scrgbClr r="0" g="0" b="0"/>
+          </a:effectRef>
+          <a:fontRef idx="minor"/>
+        </p:style>
+        <p:txBody>
+          <a:bodyPr lIns="90000" tIns="45000" rIns="90000" bIns="45000"/>
+          <a:lstStyle/>
+          <a:p>
+            <a:pPr>
+              <a:lnSpc>
+                <a:spcPct val="100000"/>
+              </a:lnSpc>
+            </a:pPr>
+            <a:r>
+              <a:rPr lang="en-US" sz="1800" b="0" strike="noStrike" spc="-1">
+                <a:solidFill>
+                  <a:srgbClr val="000000"/>
+                </a:solidFill>
+                <a:latin typeface="Arial"/>
+                <a:ea typeface="DejaVu Sans"/>
+              </a:rPr>
+              <a:t>统计io时长、次数以及缓存大小</a:t>
+            </a:r>
+            <a:endParaRPr lang="en-US" sz="1800" b="0" strike="noStrike" spc="-1">
+              <a:latin typeface="Arial"/>
+            </a:endParaRPr>
+          </a:p>
+        </p:txBody>
+      </p:sp>
     </p:spTree>
   </p:cSld>
   <p:clrMapOvr>
@@ -20161,7 +20147,7 @@
       </p:grpSpPr>
       <p:pic>
         <p:nvPicPr>
-          <p:cNvPr id="407" name="图片 350"/>
+          <p:cNvPr id="406" name="图片 349"/>
           <p:cNvPicPr/>
           <p:nvPr/>
         </p:nvPicPr>
@@ -20171,8 +20157,8 @@
         </p:blipFill>
         <p:spPr>
           <a:xfrm>
-            <a:off x="699840" y="420840"/>
-            <a:ext cx="10067760" cy="5774760"/>
+            <a:off x="936000" y="648000"/>
+            <a:ext cx="7609680" cy="3637800"/>
           </a:xfrm>
           <a:prstGeom prst="rect">
             <a:avLst/>
@@ -20234,65 +20220,9 @@
           <a:chExt cx="0" cy="0"/>
         </a:xfrm>
       </p:grpSpPr>
-      <p:sp>
-        <p:nvSpPr>
-          <p:cNvPr id="408" name="CustomShape 1"/>
-          <p:cNvSpPr/>
-          <p:nvPr/>
-        </p:nvSpPr>
-        <p:spPr>
-          <a:xfrm>
-            <a:off x="864000" y="576000"/>
-            <a:ext cx="4751640" cy="428400"/>
-          </a:xfrm>
-          <a:prstGeom prst="rect">
-            <a:avLst/>
-          </a:prstGeom>
-          <a:noFill/>
-          <a:ln>
-            <a:noFill/>
-          </a:ln>
-        </p:spPr>
-        <p:style>
-          <a:lnRef idx="0">
-            <a:scrgbClr r="0" g="0" b="0"/>
-          </a:lnRef>
-          <a:fillRef idx="0">
-            <a:scrgbClr r="0" g="0" b="0"/>
-          </a:fillRef>
-          <a:effectRef idx="0">
-            <a:scrgbClr r="0" g="0" b="0"/>
-          </a:effectRef>
-          <a:fontRef idx="minor"/>
-        </p:style>
-        <p:txBody>
-          <a:bodyPr lIns="90000" tIns="45000" rIns="90000" bIns="45000"/>
-          <a:lstStyle/>
-          <a:p>
-            <a:pPr>
-              <a:lnSpc>
-                <a:spcPct val="100000"/>
-              </a:lnSpc>
-            </a:pPr>
-            <a:r>
-              <a:rPr lang="en-US" sz="1800" b="0" strike="noStrike" spc="-1">
-                <a:solidFill>
-                  <a:srgbClr val="000000"/>
-                </a:solidFill>
-                <a:latin typeface="Arial"/>
-                <a:ea typeface="DejaVu Sans"/>
-              </a:rPr>
-              <a:t>统计未关闭的流</a:t>
-            </a:r>
-            <a:endParaRPr lang="en-US" sz="1800" b="0" strike="noStrike" spc="-1">
-              <a:latin typeface="Arial"/>
-            </a:endParaRPr>
-          </a:p>
-        </p:txBody>
-      </p:sp>
       <p:pic>
         <p:nvPicPr>
-          <p:cNvPr id="409" name="图片 352"/>
+          <p:cNvPr id="407" name="图片 350"/>
           <p:cNvPicPr/>
           <p:nvPr/>
         </p:nvPicPr>
@@ -20302,8 +20232,8 @@
         </p:blipFill>
         <p:spPr>
           <a:xfrm>
-            <a:off x="840600" y="1004760"/>
-            <a:ext cx="10350360" cy="5177160"/>
+            <a:off x="699840" y="420840"/>
+            <a:ext cx="10067760" cy="5774760"/>
           </a:xfrm>
           <a:prstGeom prst="rect">
             <a:avLst/>
@@ -20365,1304 +20295,40 @@
           <a:chExt cx="0" cy="0"/>
         </a:xfrm>
       </p:grpSpPr>
-      <p:sp>
-        <p:nvSpPr>
-          <p:cNvPr id="410" name="CustomShape 1"/>
-          <p:cNvSpPr/>
+      <p:pic>
+        <p:nvPicPr>
+          <p:cNvPr id="4" name="图片 3"/>
+          <p:cNvPicPr>
+            <a:picLocks noChangeAspect="1"/>
+          </p:cNvPicPr>
           <p:nvPr/>
-        </p:nvSpPr>
-        <p:spPr>
-          <a:xfrm>
-            <a:off x="6187680" y="3343320"/>
-            <a:ext cx="174600" cy="174600"/>
-          </a:xfrm>
-          <a:prstGeom prst="ellipse">
-            <a:avLst/>
-          </a:prstGeom>
-          <a:solidFill>
-            <a:srgbClr val="0E0E0E"/>
-          </a:solidFill>
-          <a:ln w="12600">
-            <a:noFill/>
-          </a:ln>
-        </p:spPr>
-        <p:style>
-          <a:lnRef idx="0">
-            <a:scrgbClr r="0" g="0" b="0"/>
-          </a:lnRef>
-          <a:fillRef idx="0">
-            <a:scrgbClr r="0" g="0" b="0"/>
-          </a:fillRef>
-          <a:effectRef idx="0">
-            <a:scrgbClr r="0" g="0" b="0"/>
-          </a:effectRef>
-          <a:fontRef idx="minor"/>
-        </p:style>
-      </p:sp>
-      <p:sp>
-        <p:nvSpPr>
-          <p:cNvPr id="411" name="CustomShape 2"/>
-          <p:cNvSpPr/>
-          <p:nvPr/>
-        </p:nvSpPr>
-        <p:spPr>
-          <a:xfrm>
-            <a:off x="6264000" y="2448000"/>
-            <a:ext cx="5469120" cy="1299600"/>
-          </a:xfrm>
-          <a:prstGeom prst="rect">
-            <a:avLst/>
-          </a:prstGeom>
-          <a:noFill/>
-          <a:ln>
-            <a:noFill/>
-          </a:ln>
-        </p:spPr>
-        <p:style>
-          <a:lnRef idx="0">
-            <a:scrgbClr r="0" g="0" b="0"/>
-          </a:lnRef>
-          <a:fillRef idx="0">
-            <a:scrgbClr r="0" g="0" b="0"/>
-          </a:fillRef>
-          <a:effectRef idx="0">
-            <a:scrgbClr r="0" g="0" b="0"/>
-          </a:effectRef>
-          <a:fontRef idx="minor"/>
-        </p:style>
-        <p:txBody>
-          <a:bodyPr lIns="90000" tIns="45000" rIns="90000" bIns="45000"/>
-          <a:lstStyle/>
-          <a:p>
-            <a:pPr>
-              <a:lnSpc>
-                <a:spcPct val="100000"/>
-              </a:lnSpc>
-            </a:pPr>
-            <a:r>
-              <a:rPr lang="en-US" sz="5400" b="0" strike="noStrike" spc="75">
-                <a:solidFill>
-                  <a:srgbClr val="000000"/>
-                </a:solidFill>
-                <a:latin typeface="明兰"/>
-                <a:ea typeface="明兰"/>
-              </a:rPr>
-              <a:t>内存泄漏</a:t>
-            </a:r>
-            <a:endParaRPr lang="en-US" sz="5400" b="0" strike="noStrike" spc="-1">
-              <a:latin typeface="Arial"/>
-            </a:endParaRPr>
-          </a:p>
-        </p:txBody>
-      </p:sp>
-      <p:sp>
-        <p:nvSpPr>
-          <p:cNvPr id="412" name="Line 3"/>
-          <p:cNvSpPr/>
-          <p:nvPr/>
-        </p:nvSpPr>
-        <p:spPr>
-          <a:xfrm flipV="1">
-            <a:off x="0" y="3431880"/>
-            <a:ext cx="6187320" cy="4320"/>
-          </a:xfrm>
-          <a:prstGeom prst="line">
-            <a:avLst/>
-          </a:prstGeom>
-          <a:ln w="25560">
-            <a:solidFill>
-              <a:srgbClr val="0E0E0E"/>
-            </a:solidFill>
-            <a:miter/>
-          </a:ln>
-        </p:spPr>
-        <p:style>
-          <a:lnRef idx="0">
-            <a:scrgbClr r="0" g="0" b="0"/>
-          </a:lnRef>
-          <a:fillRef idx="0">
-            <a:scrgbClr r="0" g="0" b="0"/>
-          </a:fillRef>
-          <a:effectRef idx="0">
-            <a:scrgbClr r="0" g="0" b="0"/>
-          </a:effectRef>
-          <a:fontRef idx="minor"/>
-        </p:style>
-      </p:sp>
-      <p:grpSp>
-        <p:nvGrpSpPr>
-          <p:cNvPr id="413" name="Group 4"/>
-          <p:cNvGrpSpPr/>
-          <p:nvPr/>
-        </p:nvGrpSpPr>
-        <p:grpSpPr>
-          <a:xfrm>
-            <a:off x="2057400" y="2703240"/>
-            <a:ext cx="3868200" cy="1362960"/>
-            <a:chOff x="2057400" y="2703240"/>
-            <a:chExt cx="3868200" cy="1362960"/>
-          </a:xfrm>
-        </p:grpSpPr>
-        <p:sp>
-          <p:nvSpPr>
-            <p:cNvPr id="414" name="CustomShape 5"/>
-            <p:cNvSpPr/>
-            <p:nvPr/>
-          </p:nvSpPr>
-          <p:spPr>
-            <a:xfrm>
-              <a:off x="2462760" y="2808360"/>
-              <a:ext cx="86760" cy="86760"/>
-            </a:xfrm>
-            <a:prstGeom prst="ellipse">
-              <a:avLst/>
-            </a:prstGeom>
-            <a:solidFill>
-              <a:srgbClr val="0E0E0E">
-                <a:alpha val="60000"/>
-              </a:srgbClr>
-            </a:solidFill>
-            <a:ln w="12600">
-              <a:noFill/>
-            </a:ln>
-          </p:spPr>
-          <p:style>
-            <a:lnRef idx="0">
-              <a:scrgbClr r="0" g="0" b="0"/>
-            </a:lnRef>
-            <a:fillRef idx="0">
-              <a:scrgbClr r="0" g="0" b="0"/>
-            </a:fillRef>
-            <a:effectRef idx="0">
-              <a:scrgbClr r="0" g="0" b="0"/>
-            </a:effectRef>
-            <a:fontRef idx="minor"/>
-          </p:style>
-        </p:sp>
-        <p:sp>
-          <p:nvSpPr>
-            <p:cNvPr id="415" name="CustomShape 6"/>
-            <p:cNvSpPr/>
-            <p:nvPr/>
-          </p:nvSpPr>
-          <p:spPr>
-            <a:xfrm>
-              <a:off x="3585240" y="3172320"/>
-              <a:ext cx="83520" cy="83520"/>
-            </a:xfrm>
-            <a:prstGeom prst="ellipse">
-              <a:avLst/>
-            </a:prstGeom>
-            <a:solidFill>
-              <a:srgbClr val="0E0E0E">
-                <a:alpha val="57000"/>
-              </a:srgbClr>
-            </a:solidFill>
-            <a:ln w="12600">
-              <a:noFill/>
-            </a:ln>
-          </p:spPr>
-          <p:style>
-            <a:lnRef idx="0">
-              <a:scrgbClr r="0" g="0" b="0"/>
-            </a:lnRef>
-            <a:fillRef idx="0">
-              <a:scrgbClr r="0" g="0" b="0"/>
-            </a:fillRef>
-            <a:effectRef idx="0">
-              <a:scrgbClr r="0" g="0" b="0"/>
-            </a:effectRef>
-            <a:fontRef idx="minor"/>
-          </p:style>
-        </p:sp>
-        <p:sp>
-          <p:nvSpPr>
-            <p:cNvPr id="416" name="CustomShape 7"/>
-            <p:cNvSpPr/>
-            <p:nvPr/>
-          </p:nvSpPr>
-          <p:spPr>
-            <a:xfrm>
-              <a:off x="4404960" y="3312720"/>
-              <a:ext cx="80280" cy="80280"/>
-            </a:xfrm>
-            <a:prstGeom prst="ellipse">
-              <a:avLst/>
-            </a:prstGeom>
-            <a:solidFill>
-              <a:srgbClr val="0E0E0E">
-                <a:alpha val="53000"/>
-              </a:srgbClr>
-            </a:solidFill>
-            <a:ln w="12600">
-              <a:noFill/>
-            </a:ln>
-          </p:spPr>
-          <p:style>
-            <a:lnRef idx="0">
-              <a:scrgbClr r="0" g="0" b="0"/>
-            </a:lnRef>
-            <a:fillRef idx="0">
-              <a:scrgbClr r="0" g="0" b="0"/>
-            </a:fillRef>
-            <a:effectRef idx="0">
-              <a:scrgbClr r="0" g="0" b="0"/>
-            </a:effectRef>
-            <a:fontRef idx="minor"/>
-          </p:style>
-        </p:sp>
-        <p:sp>
-          <p:nvSpPr>
-            <p:cNvPr id="417" name="CustomShape 8"/>
-            <p:cNvSpPr/>
-            <p:nvPr/>
-          </p:nvSpPr>
-          <p:spPr>
-            <a:xfrm>
-              <a:off x="3570480" y="3697920"/>
-              <a:ext cx="77040" cy="77040"/>
-            </a:xfrm>
-            <a:prstGeom prst="ellipse">
-              <a:avLst/>
-            </a:prstGeom>
-            <a:solidFill>
-              <a:srgbClr val="0E0E0E">
-                <a:alpha val="50000"/>
-              </a:srgbClr>
-            </a:solidFill>
-            <a:ln w="12600">
-              <a:noFill/>
-            </a:ln>
-          </p:spPr>
-          <p:style>
-            <a:lnRef idx="0">
-              <a:scrgbClr r="0" g="0" b="0"/>
-            </a:lnRef>
-            <a:fillRef idx="0">
-              <a:scrgbClr r="0" g="0" b="0"/>
-            </a:fillRef>
-            <a:effectRef idx="0">
-              <a:scrgbClr r="0" g="0" b="0"/>
-            </a:effectRef>
-            <a:fontRef idx="minor"/>
-          </p:style>
-        </p:sp>
-        <p:sp>
-          <p:nvSpPr>
-            <p:cNvPr id="418" name="CustomShape 9"/>
-            <p:cNvSpPr/>
-            <p:nvPr/>
-          </p:nvSpPr>
-          <p:spPr>
-            <a:xfrm>
-              <a:off x="5595480" y="3331440"/>
-              <a:ext cx="73800" cy="73800"/>
-            </a:xfrm>
-            <a:prstGeom prst="ellipse">
-              <a:avLst/>
-            </a:prstGeom>
-            <a:solidFill>
-              <a:srgbClr val="0E0E0E">
-                <a:alpha val="46000"/>
-              </a:srgbClr>
-            </a:solidFill>
-            <a:ln w="12600">
-              <a:noFill/>
-            </a:ln>
-          </p:spPr>
-          <p:style>
-            <a:lnRef idx="0">
-              <a:scrgbClr r="0" g="0" b="0"/>
-            </a:lnRef>
-            <a:fillRef idx="0">
-              <a:scrgbClr r="0" g="0" b="0"/>
-            </a:fillRef>
-            <a:effectRef idx="0">
-              <a:scrgbClr r="0" g="0" b="0"/>
-            </a:effectRef>
-            <a:fontRef idx="minor"/>
-          </p:style>
-        </p:sp>
-        <p:sp>
-          <p:nvSpPr>
-            <p:cNvPr id="419" name="CustomShape 10"/>
-            <p:cNvSpPr/>
-            <p:nvPr/>
-          </p:nvSpPr>
-          <p:spPr>
-            <a:xfrm>
-              <a:off x="5883120" y="3524400"/>
-              <a:ext cx="42480" cy="42480"/>
-            </a:xfrm>
-            <a:prstGeom prst="ellipse">
-              <a:avLst/>
-            </a:prstGeom>
-            <a:solidFill>
-              <a:srgbClr val="0E0E0E">
-                <a:alpha val="42000"/>
-              </a:srgbClr>
-            </a:solidFill>
-            <a:ln w="12600">
-              <a:noFill/>
-            </a:ln>
-          </p:spPr>
-          <p:style>
-            <a:lnRef idx="0">
-              <a:scrgbClr r="0" g="0" b="0"/>
-            </a:lnRef>
-            <a:fillRef idx="0">
-              <a:scrgbClr r="0" g="0" b="0"/>
-            </a:fillRef>
-            <a:effectRef idx="0">
-              <a:scrgbClr r="0" g="0" b="0"/>
-            </a:effectRef>
-            <a:fontRef idx="minor"/>
-          </p:style>
-        </p:sp>
-        <p:sp>
-          <p:nvSpPr>
-            <p:cNvPr id="420" name="CustomShape 11"/>
-            <p:cNvSpPr/>
-            <p:nvPr/>
-          </p:nvSpPr>
-          <p:spPr>
-            <a:xfrm>
-              <a:off x="4201560" y="3609000"/>
-              <a:ext cx="66960" cy="66960"/>
-            </a:xfrm>
-            <a:prstGeom prst="ellipse">
-              <a:avLst/>
-            </a:prstGeom>
-            <a:solidFill>
-              <a:srgbClr val="0E0E0E">
-                <a:alpha val="39000"/>
-              </a:srgbClr>
-            </a:solidFill>
-            <a:ln w="12600">
-              <a:noFill/>
-            </a:ln>
-          </p:spPr>
-          <p:style>
-            <a:lnRef idx="0">
-              <a:scrgbClr r="0" g="0" b="0"/>
-            </a:lnRef>
-            <a:fillRef idx="0">
-              <a:scrgbClr r="0" g="0" b="0"/>
-            </a:fillRef>
-            <a:effectRef idx="0">
-              <a:scrgbClr r="0" g="0" b="0"/>
-            </a:effectRef>
-            <a:fontRef idx="minor"/>
-          </p:style>
-        </p:sp>
-        <p:sp>
-          <p:nvSpPr>
-            <p:cNvPr id="421" name="CustomShape 12"/>
-            <p:cNvSpPr/>
-            <p:nvPr/>
-          </p:nvSpPr>
-          <p:spPr>
-            <a:xfrm>
-              <a:off x="2442960" y="4002480"/>
-              <a:ext cx="63720" cy="63720"/>
-            </a:xfrm>
-            <a:prstGeom prst="ellipse">
-              <a:avLst/>
-            </a:prstGeom>
-            <a:solidFill>
-              <a:srgbClr val="0E0E0E">
-                <a:alpha val="35000"/>
-              </a:srgbClr>
-            </a:solidFill>
-            <a:ln w="12600">
-              <a:noFill/>
-            </a:ln>
-          </p:spPr>
-          <p:style>
-            <a:lnRef idx="0">
-              <a:scrgbClr r="0" g="0" b="0"/>
-            </a:lnRef>
-            <a:fillRef idx="0">
-              <a:scrgbClr r="0" g="0" b="0"/>
-            </a:fillRef>
-            <a:effectRef idx="0">
-              <a:scrgbClr r="0" g="0" b="0"/>
-            </a:effectRef>
-            <a:fontRef idx="minor"/>
-          </p:style>
-        </p:sp>
-        <p:sp>
-          <p:nvSpPr>
-            <p:cNvPr id="422" name="CustomShape 13"/>
-            <p:cNvSpPr/>
-            <p:nvPr/>
-          </p:nvSpPr>
-          <p:spPr>
-            <a:xfrm>
-              <a:off x="2057400" y="2703240"/>
-              <a:ext cx="60480" cy="60480"/>
-            </a:xfrm>
-            <a:prstGeom prst="ellipse">
-              <a:avLst/>
-            </a:prstGeom>
-            <a:solidFill>
-              <a:srgbClr val="0E0E0E">
-                <a:alpha val="31000"/>
-              </a:srgbClr>
-            </a:solidFill>
-            <a:ln w="12600">
-              <a:noFill/>
-            </a:ln>
-          </p:spPr>
-          <p:style>
-            <a:lnRef idx="0">
-              <a:scrgbClr r="0" g="0" b="0"/>
-            </a:lnRef>
-            <a:fillRef idx="0">
-              <a:scrgbClr r="0" g="0" b="0"/>
-            </a:fillRef>
-            <a:effectRef idx="0">
-              <a:scrgbClr r="0" g="0" b="0"/>
-            </a:effectRef>
-            <a:fontRef idx="minor"/>
-          </p:style>
-        </p:sp>
-        <p:sp>
-          <p:nvSpPr>
-            <p:cNvPr id="423" name="CustomShape 14"/>
-            <p:cNvSpPr/>
-            <p:nvPr/>
-          </p:nvSpPr>
-          <p:spPr>
-            <a:xfrm>
-              <a:off x="3089880" y="3704400"/>
-              <a:ext cx="57240" cy="57240"/>
-            </a:xfrm>
-            <a:prstGeom prst="ellipse">
-              <a:avLst/>
-            </a:prstGeom>
-            <a:solidFill>
-              <a:srgbClr val="0E0E0E">
-                <a:alpha val="28000"/>
-              </a:srgbClr>
-            </a:solidFill>
-            <a:ln w="12600">
-              <a:noFill/>
-            </a:ln>
-          </p:spPr>
-          <p:style>
-            <a:lnRef idx="0">
-              <a:scrgbClr r="0" g="0" b="0"/>
-            </a:lnRef>
-            <a:fillRef idx="0">
-              <a:scrgbClr r="0" g="0" b="0"/>
-            </a:fillRef>
-            <a:effectRef idx="0">
-              <a:scrgbClr r="0" g="0" b="0"/>
-            </a:effectRef>
-            <a:fontRef idx="minor"/>
-          </p:style>
-        </p:sp>
-        <p:sp>
-          <p:nvSpPr>
-            <p:cNvPr id="424" name="CustomShape 15"/>
-            <p:cNvSpPr/>
-            <p:nvPr/>
-          </p:nvSpPr>
-          <p:spPr>
-            <a:xfrm>
-              <a:off x="2779560" y="3142440"/>
-              <a:ext cx="54000" cy="54000"/>
-            </a:xfrm>
-            <a:prstGeom prst="ellipse">
-              <a:avLst/>
-            </a:prstGeom>
-            <a:solidFill>
-              <a:srgbClr val="0E0E0E">
-                <a:alpha val="24000"/>
-              </a:srgbClr>
-            </a:solidFill>
-            <a:ln w="12600">
-              <a:noFill/>
-            </a:ln>
-          </p:spPr>
-          <p:style>
-            <a:lnRef idx="0">
-              <a:scrgbClr r="0" g="0" b="0"/>
-            </a:lnRef>
-            <a:fillRef idx="0">
-              <a:scrgbClr r="0" g="0" b="0"/>
-            </a:fillRef>
-            <a:effectRef idx="0">
-              <a:scrgbClr r="0" g="0" b="0"/>
-            </a:effectRef>
-            <a:fontRef idx="minor"/>
-          </p:style>
-        </p:sp>
-        <p:sp>
-          <p:nvSpPr>
-            <p:cNvPr id="425" name="CustomShape 16"/>
-            <p:cNvSpPr/>
-            <p:nvPr/>
-          </p:nvSpPr>
-          <p:spPr>
-            <a:xfrm>
-              <a:off x="4971600" y="3633480"/>
-              <a:ext cx="50760" cy="50760"/>
-            </a:xfrm>
-            <a:prstGeom prst="ellipse">
-              <a:avLst/>
-            </a:prstGeom>
-            <a:solidFill>
-              <a:srgbClr val="0E0E0E">
-                <a:alpha val="20000"/>
-              </a:srgbClr>
-            </a:solidFill>
-            <a:ln w="12600">
-              <a:noFill/>
-            </a:ln>
-          </p:spPr>
-          <p:style>
-            <a:lnRef idx="0">
-              <a:scrgbClr r="0" g="0" b="0"/>
-            </a:lnRef>
-            <a:fillRef idx="0">
-              <a:scrgbClr r="0" g="0" b="0"/>
-            </a:fillRef>
-            <a:effectRef idx="0">
-              <a:scrgbClr r="0" g="0" b="0"/>
-            </a:effectRef>
-            <a:fontRef idx="minor"/>
-          </p:style>
-        </p:sp>
-      </p:grpSp>
-      <p:grpSp>
-        <p:nvGrpSpPr>
-          <p:cNvPr id="426" name="Group 17"/>
-          <p:cNvGrpSpPr/>
-          <p:nvPr/>
-        </p:nvGrpSpPr>
-        <p:grpSpPr>
-          <a:xfrm>
-            <a:off x="2662560" y="2972880"/>
-            <a:ext cx="2717280" cy="868320"/>
-            <a:chOff x="2662560" y="2972880"/>
-            <a:chExt cx="2717280" cy="868320"/>
-          </a:xfrm>
-        </p:grpSpPr>
-        <p:sp>
-          <p:nvSpPr>
-            <p:cNvPr id="427" name="CustomShape 18"/>
-            <p:cNvSpPr/>
-            <p:nvPr/>
-          </p:nvSpPr>
-          <p:spPr>
-            <a:xfrm>
-              <a:off x="3084120" y="3043800"/>
-              <a:ext cx="39960" cy="39960"/>
-            </a:xfrm>
-            <a:prstGeom prst="ellipse">
-              <a:avLst/>
-            </a:prstGeom>
-            <a:solidFill>
-              <a:srgbClr val="0E0E0E">
-                <a:alpha val="60000"/>
-              </a:srgbClr>
-            </a:solidFill>
-            <a:ln w="12600">
-              <a:noFill/>
-            </a:ln>
-          </p:spPr>
-          <p:style>
-            <a:lnRef idx="0">
-              <a:scrgbClr r="0" g="0" b="0"/>
-            </a:lnRef>
-            <a:fillRef idx="0">
-              <a:scrgbClr r="0" g="0" b="0"/>
-            </a:fillRef>
-            <a:effectRef idx="0">
-              <a:scrgbClr r="0" g="0" b="0"/>
-            </a:effectRef>
-            <a:fontRef idx="minor"/>
-          </p:style>
-        </p:sp>
-        <p:sp>
-          <p:nvSpPr>
-            <p:cNvPr id="428" name="CustomShape 19"/>
-            <p:cNvSpPr/>
-            <p:nvPr/>
-          </p:nvSpPr>
-          <p:spPr>
-            <a:xfrm>
-              <a:off x="4023360" y="3223440"/>
-              <a:ext cx="39960" cy="39960"/>
-            </a:xfrm>
-            <a:prstGeom prst="ellipse">
-              <a:avLst/>
-            </a:prstGeom>
-            <a:solidFill>
-              <a:srgbClr val="0E0E0E">
-                <a:alpha val="57000"/>
-              </a:srgbClr>
-            </a:solidFill>
-            <a:ln w="12600">
-              <a:noFill/>
-            </a:ln>
-          </p:spPr>
-          <p:style>
-            <a:lnRef idx="0">
-              <a:scrgbClr r="0" g="0" b="0"/>
-            </a:lnRef>
-            <a:fillRef idx="0">
-              <a:scrgbClr r="0" g="0" b="0"/>
-            </a:fillRef>
-            <a:effectRef idx="0">
-              <a:scrgbClr r="0" g="0" b="0"/>
-            </a:effectRef>
-            <a:fontRef idx="minor"/>
-          </p:style>
-        </p:sp>
-        <p:sp>
-          <p:nvSpPr>
-            <p:cNvPr id="429" name="CustomShape 20"/>
-            <p:cNvSpPr/>
-            <p:nvPr/>
-          </p:nvSpPr>
-          <p:spPr>
-            <a:xfrm>
-              <a:off x="4822560" y="3265200"/>
-              <a:ext cx="39960" cy="39960"/>
-            </a:xfrm>
-            <a:prstGeom prst="ellipse">
-              <a:avLst/>
-            </a:prstGeom>
-            <a:solidFill>
-              <a:srgbClr val="0E0E0E">
-                <a:alpha val="53000"/>
-              </a:srgbClr>
-            </a:solidFill>
-            <a:ln w="12600">
-              <a:noFill/>
-            </a:ln>
-          </p:spPr>
-          <p:style>
-            <a:lnRef idx="0">
-              <a:scrgbClr r="0" g="0" b="0"/>
-            </a:lnRef>
-            <a:fillRef idx="0">
-              <a:scrgbClr r="0" g="0" b="0"/>
-            </a:fillRef>
-            <a:effectRef idx="0">
-              <a:scrgbClr r="0" g="0" b="0"/>
-            </a:effectRef>
-            <a:fontRef idx="minor"/>
-          </p:style>
-        </p:sp>
-        <p:sp>
-          <p:nvSpPr>
-            <p:cNvPr id="430" name="CustomShape 21"/>
-            <p:cNvSpPr/>
-            <p:nvPr/>
-          </p:nvSpPr>
-          <p:spPr>
-            <a:xfrm>
-              <a:off x="3911040" y="3646080"/>
-              <a:ext cx="39960" cy="39960"/>
-            </a:xfrm>
-            <a:prstGeom prst="ellipse">
-              <a:avLst/>
-            </a:prstGeom>
-            <a:solidFill>
-              <a:srgbClr val="0E0E0E">
-                <a:alpha val="50000"/>
-              </a:srgbClr>
-            </a:solidFill>
-            <a:ln w="12600">
-              <a:noFill/>
-            </a:ln>
-          </p:spPr>
-          <p:style>
-            <a:lnRef idx="0">
-              <a:scrgbClr r="0" g="0" b="0"/>
-            </a:lnRef>
-            <a:fillRef idx="0">
-              <a:scrgbClr r="0" g="0" b="0"/>
-            </a:fillRef>
-            <a:effectRef idx="0">
-              <a:scrgbClr r="0" g="0" b="0"/>
-            </a:effectRef>
-            <a:fontRef idx="minor"/>
-          </p:style>
-        </p:sp>
-        <p:sp>
-          <p:nvSpPr>
-            <p:cNvPr id="431" name="CustomShape 22"/>
-            <p:cNvSpPr/>
-            <p:nvPr/>
-          </p:nvSpPr>
-          <p:spPr>
-            <a:xfrm>
-              <a:off x="5220360" y="3316680"/>
-              <a:ext cx="39960" cy="39960"/>
-            </a:xfrm>
-            <a:prstGeom prst="ellipse">
-              <a:avLst/>
-            </a:prstGeom>
-            <a:solidFill>
-              <a:srgbClr val="0E0E0E">
-                <a:alpha val="46000"/>
-              </a:srgbClr>
-            </a:solidFill>
-            <a:ln w="12600">
-              <a:noFill/>
-            </a:ln>
-          </p:spPr>
-          <p:style>
-            <a:lnRef idx="0">
-              <a:scrgbClr r="0" g="0" b="0"/>
-            </a:lnRef>
-            <a:fillRef idx="0">
-              <a:scrgbClr r="0" g="0" b="0"/>
-            </a:fillRef>
-            <a:effectRef idx="0">
-              <a:scrgbClr r="0" g="0" b="0"/>
-            </a:effectRef>
-            <a:fontRef idx="minor"/>
-          </p:style>
-        </p:sp>
-        <p:sp>
-          <p:nvSpPr>
-            <p:cNvPr id="432" name="CustomShape 23"/>
-            <p:cNvSpPr/>
-            <p:nvPr/>
-          </p:nvSpPr>
-          <p:spPr>
-            <a:xfrm>
-              <a:off x="5339880" y="3519000"/>
-              <a:ext cx="39960" cy="39960"/>
-            </a:xfrm>
-            <a:prstGeom prst="ellipse">
-              <a:avLst/>
-            </a:prstGeom>
-            <a:solidFill>
-              <a:srgbClr val="0E0E0E">
-                <a:alpha val="42000"/>
-              </a:srgbClr>
-            </a:solidFill>
-            <a:ln w="12600">
-              <a:noFill/>
-            </a:ln>
-          </p:spPr>
-          <p:style>
-            <a:lnRef idx="0">
-              <a:scrgbClr r="0" g="0" b="0"/>
-            </a:lnRef>
-            <a:fillRef idx="0">
-              <a:scrgbClr r="0" g="0" b="0"/>
-            </a:fillRef>
-            <a:effectRef idx="0">
-              <a:scrgbClr r="0" g="0" b="0"/>
-            </a:effectRef>
-            <a:fontRef idx="minor"/>
-          </p:style>
-        </p:sp>
-        <p:sp>
-          <p:nvSpPr>
-            <p:cNvPr id="433" name="CustomShape 24"/>
-            <p:cNvSpPr/>
-            <p:nvPr/>
-          </p:nvSpPr>
-          <p:spPr>
-            <a:xfrm>
-              <a:off x="4643640" y="3540600"/>
-              <a:ext cx="39960" cy="39960"/>
-            </a:xfrm>
-            <a:prstGeom prst="ellipse">
-              <a:avLst/>
-            </a:prstGeom>
-            <a:solidFill>
-              <a:srgbClr val="0E0E0E">
-                <a:alpha val="39000"/>
-              </a:srgbClr>
-            </a:solidFill>
-            <a:ln w="12600">
-              <a:noFill/>
-            </a:ln>
-          </p:spPr>
-          <p:style>
-            <a:lnRef idx="0">
-              <a:scrgbClr r="0" g="0" b="0"/>
-            </a:lnRef>
-            <a:fillRef idx="0">
-              <a:scrgbClr r="0" g="0" b="0"/>
-            </a:fillRef>
-            <a:effectRef idx="0">
-              <a:scrgbClr r="0" g="0" b="0"/>
-            </a:effectRef>
-            <a:fontRef idx="minor"/>
-          </p:style>
-        </p:sp>
-        <p:sp>
-          <p:nvSpPr>
-            <p:cNvPr id="434" name="CustomShape 25"/>
-            <p:cNvSpPr/>
-            <p:nvPr/>
-          </p:nvSpPr>
-          <p:spPr>
-            <a:xfrm>
-              <a:off x="2894400" y="3801240"/>
-              <a:ext cx="39960" cy="39960"/>
-            </a:xfrm>
-            <a:prstGeom prst="ellipse">
-              <a:avLst/>
-            </a:prstGeom>
-            <a:solidFill>
-              <a:srgbClr val="0E0E0E">
-                <a:alpha val="35000"/>
-              </a:srgbClr>
-            </a:solidFill>
-            <a:ln w="12600">
-              <a:noFill/>
-            </a:ln>
-          </p:spPr>
-          <p:style>
-            <a:lnRef idx="0">
-              <a:scrgbClr r="0" g="0" b="0"/>
-            </a:lnRef>
-            <a:fillRef idx="0">
-              <a:scrgbClr r="0" g="0" b="0"/>
-            </a:fillRef>
-            <a:effectRef idx="0">
-              <a:scrgbClr r="0" g="0" b="0"/>
-            </a:effectRef>
-            <a:fontRef idx="minor"/>
-          </p:style>
-        </p:sp>
-        <p:sp>
-          <p:nvSpPr>
-            <p:cNvPr id="435" name="CustomShape 26"/>
-            <p:cNvSpPr/>
-            <p:nvPr/>
-          </p:nvSpPr>
-          <p:spPr>
-            <a:xfrm>
-              <a:off x="2662560" y="2972880"/>
-              <a:ext cx="39960" cy="39960"/>
-            </a:xfrm>
-            <a:prstGeom prst="ellipse">
-              <a:avLst/>
-            </a:prstGeom>
-            <a:solidFill>
-              <a:srgbClr val="0E0E0E">
-                <a:alpha val="31000"/>
-              </a:srgbClr>
-            </a:solidFill>
-            <a:ln w="12600">
-              <a:noFill/>
-            </a:ln>
-          </p:spPr>
-          <p:style>
-            <a:lnRef idx="0">
-              <a:scrgbClr r="0" g="0" b="0"/>
-            </a:lnRef>
-            <a:fillRef idx="0">
-              <a:scrgbClr r="0" g="0" b="0"/>
-            </a:fillRef>
-            <a:effectRef idx="0">
-              <a:scrgbClr r="0" g="0" b="0"/>
-            </a:effectRef>
-            <a:fontRef idx="minor"/>
-          </p:style>
-        </p:sp>
-        <p:sp>
-          <p:nvSpPr>
-            <p:cNvPr id="436" name="CustomShape 27"/>
-            <p:cNvSpPr/>
-            <p:nvPr/>
-          </p:nvSpPr>
-          <p:spPr>
-            <a:xfrm>
-              <a:off x="3415320" y="3624480"/>
-              <a:ext cx="39960" cy="39960"/>
-            </a:xfrm>
-            <a:prstGeom prst="ellipse">
-              <a:avLst/>
-            </a:prstGeom>
-            <a:solidFill>
-              <a:srgbClr val="0E0E0E">
-                <a:alpha val="28000"/>
-              </a:srgbClr>
-            </a:solidFill>
-            <a:ln w="12600">
-              <a:noFill/>
-            </a:ln>
-          </p:spPr>
-          <p:style>
-            <a:lnRef idx="0">
-              <a:scrgbClr r="0" g="0" b="0"/>
-            </a:lnRef>
-            <a:fillRef idx="0">
-              <a:scrgbClr r="0" g="0" b="0"/>
-            </a:fillRef>
-            <a:effectRef idx="0">
-              <a:scrgbClr r="0" g="0" b="0"/>
-            </a:effectRef>
-            <a:fontRef idx="minor"/>
-          </p:style>
-        </p:sp>
-        <p:sp>
-          <p:nvSpPr>
-            <p:cNvPr id="437" name="CustomShape 28"/>
-            <p:cNvSpPr/>
-            <p:nvPr/>
-          </p:nvSpPr>
-          <p:spPr>
-            <a:xfrm>
-              <a:off x="3211560" y="3199320"/>
-              <a:ext cx="39960" cy="39960"/>
-            </a:xfrm>
-            <a:prstGeom prst="ellipse">
-              <a:avLst/>
-            </a:prstGeom>
-            <a:solidFill>
-              <a:srgbClr val="0E0E0E">
-                <a:alpha val="24000"/>
-              </a:srgbClr>
-            </a:solidFill>
-            <a:ln w="12600">
-              <a:noFill/>
-            </a:ln>
-          </p:spPr>
-          <p:style>
-            <a:lnRef idx="0">
-              <a:scrgbClr r="0" g="0" b="0"/>
-            </a:lnRef>
-            <a:fillRef idx="0">
-              <a:scrgbClr r="0" g="0" b="0"/>
-            </a:fillRef>
-            <a:effectRef idx="0">
-              <a:scrgbClr r="0" g="0" b="0"/>
-            </a:effectRef>
-            <a:fontRef idx="minor"/>
-          </p:style>
-        </p:sp>
-        <p:sp>
-          <p:nvSpPr>
-            <p:cNvPr id="438" name="CustomShape 29"/>
-            <p:cNvSpPr/>
-            <p:nvPr/>
-          </p:nvSpPr>
-          <p:spPr>
-            <a:xfrm>
-              <a:off x="4966200" y="3628440"/>
-              <a:ext cx="39960" cy="39960"/>
-            </a:xfrm>
-            <a:prstGeom prst="ellipse">
-              <a:avLst/>
-            </a:prstGeom>
-            <a:solidFill>
-              <a:srgbClr val="0E0E0E">
-                <a:alpha val="20000"/>
-              </a:srgbClr>
-            </a:solidFill>
-            <a:ln w="12600">
-              <a:noFill/>
-            </a:ln>
-          </p:spPr>
-          <p:style>
-            <a:lnRef idx="0">
-              <a:scrgbClr r="0" g="0" b="0"/>
-            </a:lnRef>
-            <a:fillRef idx="0">
-              <a:scrgbClr r="0" g="0" b="0"/>
-            </a:fillRef>
-            <a:effectRef idx="0">
-              <a:scrgbClr r="0" g="0" b="0"/>
-            </a:effectRef>
-            <a:fontRef idx="minor"/>
-          </p:style>
-        </p:sp>
-      </p:grpSp>
-      <p:sp>
-        <p:nvSpPr>
-          <p:cNvPr id="439" name="CustomShape 30"/>
-          <p:cNvSpPr/>
-          <p:nvPr/>
-        </p:nvSpPr>
-        <p:spPr>
-          <a:xfrm>
-            <a:off x="1306800" y="1782000"/>
-            <a:ext cx="3519000" cy="1839240"/>
-          </a:xfrm>
-          <a:prstGeom prst="rect">
-            <a:avLst/>
-          </a:prstGeom>
-          <a:noFill/>
-          <a:ln>
-            <a:noFill/>
-          </a:ln>
-        </p:spPr>
-        <p:style>
-          <a:lnRef idx="0">
-            <a:scrgbClr r="0" g="0" b="0"/>
-          </a:lnRef>
-          <a:fillRef idx="0">
-            <a:scrgbClr r="0" g="0" b="0"/>
-          </a:fillRef>
-          <a:effectRef idx="0">
-            <a:scrgbClr r="0" g="0" b="0"/>
-          </a:effectRef>
-          <a:fontRef idx="minor"/>
-        </p:style>
-        <p:txBody>
-          <a:bodyPr lIns="90000" tIns="45000" rIns="90000" bIns="45000"/>
-          <a:lstStyle/>
-          <a:p>
-            <a:pPr algn="ctr">
-              <a:lnSpc>
-                <a:spcPct val="100000"/>
-              </a:lnSpc>
-            </a:pPr>
-            <a:r>
-              <a:rPr lang="en-US" sz="6600" b="0" strike="noStrike" spc="75">
-                <a:solidFill>
-                  <a:srgbClr val="000000"/>
-                </a:solidFill>
-                <a:latin typeface="明兰"/>
-                <a:ea typeface="明兰"/>
-              </a:rPr>
-              <a:t>Part </a:t>
-            </a:r>
-            <a:r>
-              <a:rPr lang="en-US" sz="11500" b="0" strike="noStrike" spc="75">
-                <a:solidFill>
-                  <a:srgbClr val="000000"/>
-                </a:solidFill>
-                <a:latin typeface="明兰"/>
-                <a:ea typeface="明兰"/>
-              </a:rPr>
-              <a:t>4</a:t>
-            </a:r>
-            <a:endParaRPr lang="en-US" sz="11500" b="0" strike="noStrike" spc="-1">
-              <a:latin typeface="Arial"/>
-            </a:endParaRPr>
-          </a:p>
-        </p:txBody>
-      </p:sp>
-      <p:sp>
-        <p:nvSpPr>
-          <p:cNvPr id="440" name="CustomShape 31"/>
-          <p:cNvSpPr/>
-          <p:nvPr/>
-        </p:nvSpPr>
-        <p:spPr>
-          <a:xfrm>
-            <a:off x="6800760" y="3848400"/>
-            <a:ext cx="3163320" cy="300600"/>
-          </a:xfrm>
-          <a:prstGeom prst="rect">
-            <a:avLst/>
-          </a:prstGeom>
-          <a:noFill/>
-          <a:ln>
-            <a:noFill/>
-          </a:ln>
-        </p:spPr>
-        <p:style>
-          <a:lnRef idx="0">
-            <a:scrgbClr r="0" g="0" b="0"/>
-          </a:lnRef>
-          <a:fillRef idx="0">
-            <a:scrgbClr r="0" g="0" b="0"/>
-          </a:fillRef>
-          <a:effectRef idx="0">
-            <a:scrgbClr r="0" g="0" b="0"/>
-          </a:effectRef>
-          <a:fontRef idx="minor"/>
-        </p:style>
-        <p:txBody>
-          <a:bodyPr lIns="90000" tIns="45000" rIns="90000" bIns="45000"/>
-          <a:lstStyle/>
-          <a:p>
-            <a:pPr>
-              <a:lnSpc>
-                <a:spcPct val="100000"/>
-              </a:lnSpc>
-            </a:pPr>
-            <a:r>
-              <a:rPr lang="en-US" sz="1400" b="0" strike="noStrike" spc="276">
-                <a:solidFill>
-                  <a:srgbClr val="000000"/>
-                </a:solidFill>
-                <a:latin typeface="微软雅黑 Light"/>
-                <a:ea typeface="微软雅黑 Light"/>
-              </a:rPr>
-              <a:t>Introduction</a:t>
-            </a:r>
-            <a:endParaRPr lang="en-US" sz="1400" b="0" strike="noStrike" spc="-1">
-              <a:latin typeface="Arial"/>
-            </a:endParaRPr>
-          </a:p>
-        </p:txBody>
-      </p:sp>
+        </p:nvPicPr>
+        <p:blipFill>
+          <a:blip r:embed="rId2"/>
+          <a:stretch>
+            <a:fillRect/>
+          </a:stretch>
+        </p:blipFill>
+        <p:spPr>
+          <a:xfrm>
+            <a:off x="196948" y="839987"/>
+            <a:ext cx="11816862" cy="2111269"/>
+          </a:xfrm>
+          <a:prstGeom prst="rect">
+            <a:avLst/>
+          </a:prstGeom>
+        </p:spPr>
+      </p:pic>
     </p:spTree>
+    <p:extLst>
+      <p:ext uri="{BB962C8B-B14F-4D97-AF65-F5344CB8AC3E}">
+        <p14:creationId xmlns:p14="http://schemas.microsoft.com/office/powerpoint/2010/main" val="538073547"/>
+      </p:ext>
+    </p:extLst>
   </p:cSld>
   <p:clrMapOvr>
     <a:masterClrMapping/>
   </p:clrMapOvr>
-  <p:timing>
-    <p:tnLst>
-      <p:par>
-        <p:cTn id="1" dur="indefinite" restart="never" nodeType="tmRoot">
-          <p:childTnLst>
-            <p:seq>
-              <p:cTn id="2" dur="indefinite" nodeType="mainSeq">
-                <p:childTnLst>
-                  <p:par>
-                    <p:cTn id="3" fill="hold">
-                      <p:stCondLst>
-                        <p:cond delay="0"/>
-                      </p:stCondLst>
-                      <p:childTnLst>
-                        <p:par>
-                          <p:cTn id="4" fill="hold">
-                            <p:stCondLst>
-                              <p:cond delay="0"/>
-                            </p:stCondLst>
-                            <p:childTnLst>
-                              <p:par>
-                                <p:cTn id="5" presetID="10" presetClass="entr" fill="hold" nodeType="withEffect">
-                                  <p:stCondLst>
-                                    <p:cond delay="0"/>
-                                  </p:stCondLst>
-                                  <p:childTnLst>
-                                    <p:set>
-                                      <p:cBhvr>
-                                        <p:cTn id="6" dur="1" fill="hold">
-                                          <p:stCondLst>
-                                            <p:cond delay="0"/>
-                                          </p:stCondLst>
-                                        </p:cTn>
-                                        <p:tgtEl>
-                                          <p:spTgt spid="439"/>
-                                        </p:tgtEl>
-                                        <p:attrNameLst>
-                                          <p:attrName>style.visibility</p:attrName>
-                                        </p:attrNameLst>
-                                      </p:cBhvr>
-                                      <p:to>
-                                        <p:strVal val="visible"/>
-                                      </p:to>
-                                    </p:set>
-                                    <p:animEffect transition="in" filter="fade">
-                                      <p:cBhvr additive="repl">
-                                        <p:cTn id="7" dur="500"/>
-                                        <p:tgtEl>
-                                          <p:spTgt spid="439"/>
-                                        </p:tgtEl>
-                                      </p:cBhvr>
-                                    </p:animEffect>
-                                  </p:childTnLst>
-                                </p:cTn>
-                              </p:par>
-                              <p:par>
-                                <p:cTn id="8" presetID="10" presetClass="entr" fill="hold" nodeType="withEffect">
-                                  <p:stCondLst>
-                                    <p:cond delay="500"/>
-                                  </p:stCondLst>
-                                  <p:childTnLst>
-                                    <p:set>
-                                      <p:cBhvr>
-                                        <p:cTn id="9" dur="1" fill="hold">
-                                          <p:stCondLst>
-                                            <p:cond delay="0"/>
-                                          </p:stCondLst>
-                                        </p:cTn>
-                                        <p:tgtEl>
-                                          <p:spTgt spid="411"/>
-                                        </p:tgtEl>
-                                        <p:attrNameLst>
-                                          <p:attrName>style.visibility</p:attrName>
-                                        </p:attrNameLst>
-                                      </p:cBhvr>
-                                      <p:to>
-                                        <p:strVal val="visible"/>
-                                      </p:to>
-                                    </p:set>
-                                    <p:animEffect transition="in" filter="fade">
-                                      <p:cBhvr additive="repl">
-                                        <p:cTn id="10" dur="500"/>
-                                        <p:tgtEl>
-                                          <p:spTgt spid="411"/>
-                                        </p:tgtEl>
-                                      </p:cBhvr>
-                                    </p:animEffect>
-                                  </p:childTnLst>
-                                </p:cTn>
-                              </p:par>
-                              <p:par>
-                                <p:cTn id="11" presetID="10" presetClass="entr" fill="hold" nodeType="withEffect">
-                                  <p:stCondLst>
-                                    <p:cond delay="500"/>
-                                  </p:stCondLst>
-                                  <p:childTnLst>
-                                    <p:set>
-                                      <p:cBhvr>
-                                        <p:cTn id="12" dur="1" fill="hold">
-                                          <p:stCondLst>
-                                            <p:cond delay="0"/>
-                                          </p:stCondLst>
-                                        </p:cTn>
-                                        <p:tgtEl>
-                                          <p:spTgt spid="440"/>
-                                        </p:tgtEl>
-                                        <p:attrNameLst>
-                                          <p:attrName>style.visibility</p:attrName>
-                                        </p:attrNameLst>
-                                      </p:cBhvr>
-                                      <p:to>
-                                        <p:strVal val="visible"/>
-                                      </p:to>
-                                    </p:set>
-                                    <p:animEffect transition="in" filter="fade">
-                                      <p:cBhvr additive="repl">
-                                        <p:cTn id="13" dur="500"/>
-                                        <p:tgtEl>
-                                          <p:spTgt spid="440"/>
-                                        </p:tgtEl>
-                                      </p:cBhvr>
-                                    </p:animEffect>
-                                  </p:childTnLst>
-                                </p:cTn>
-                              </p:par>
-                            </p:childTnLst>
-                          </p:cTn>
-                        </p:par>
-                      </p:childTnLst>
-                    </p:cTn>
-                  </p:par>
-                </p:childTnLst>
-              </p:cTn>
-              <p:prevCondLst>
-                <p:cond evt="onPrev" delay="0">
-                  <p:tgtEl>
-                    <p:sldTgt/>
-                  </p:tgtEl>
-                </p:cond>
-              </p:prevCondLst>
-              <p:nextCondLst>
-                <p:cond evt="onNext" delay="0">
-                  <p:tgtEl>
-                    <p:sldTgt/>
-                  </p:tgtEl>
-                </p:cond>
-              </p:nextCondLst>
-            </p:seq>
-          </p:childTnLst>
-        </p:cTn>
-      </p:par>
-    </p:tnLst>
-  </p:timing>
 </p:sld>
 </file>
 
@@ -22996,6 +21662,1455 @@
 </file>
 
 <file path=ppt/slides/slide30.xml><?xml version="1.0" encoding="utf-8"?>
+<p:sld xmlns:a="http://schemas.openxmlformats.org/drawingml/2006/main" xmlns:r="http://schemas.openxmlformats.org/officeDocument/2006/relationships" xmlns:p="http://schemas.openxmlformats.org/presentationml/2006/main">
+  <p:cSld>
+    <p:spTree>
+      <p:nvGrpSpPr>
+        <p:cNvPr id="1" name=""/>
+        <p:cNvGrpSpPr/>
+        <p:nvPr/>
+      </p:nvGrpSpPr>
+      <p:grpSpPr>
+        <a:xfrm>
+          <a:off x="0" y="0"/>
+          <a:ext cx="0" cy="0"/>
+          <a:chOff x="0" y="0"/>
+          <a:chExt cx="0" cy="0"/>
+        </a:xfrm>
+      </p:grpSpPr>
+      <p:sp>
+        <p:nvSpPr>
+          <p:cNvPr id="408" name="CustomShape 1"/>
+          <p:cNvSpPr/>
+          <p:nvPr/>
+        </p:nvSpPr>
+        <p:spPr>
+          <a:xfrm>
+            <a:off x="864000" y="576000"/>
+            <a:ext cx="4751640" cy="428400"/>
+          </a:xfrm>
+          <a:prstGeom prst="rect">
+            <a:avLst/>
+          </a:prstGeom>
+          <a:noFill/>
+          <a:ln>
+            <a:noFill/>
+          </a:ln>
+        </p:spPr>
+        <p:style>
+          <a:lnRef idx="0">
+            <a:scrgbClr r="0" g="0" b="0"/>
+          </a:lnRef>
+          <a:fillRef idx="0">
+            <a:scrgbClr r="0" g="0" b="0"/>
+          </a:fillRef>
+          <a:effectRef idx="0">
+            <a:scrgbClr r="0" g="0" b="0"/>
+          </a:effectRef>
+          <a:fontRef idx="minor"/>
+        </p:style>
+        <p:txBody>
+          <a:bodyPr lIns="90000" tIns="45000" rIns="90000" bIns="45000"/>
+          <a:lstStyle/>
+          <a:p>
+            <a:pPr>
+              <a:lnSpc>
+                <a:spcPct val="100000"/>
+              </a:lnSpc>
+            </a:pPr>
+            <a:r>
+              <a:rPr lang="en-US" sz="1800" b="0" strike="noStrike" spc="-1">
+                <a:solidFill>
+                  <a:srgbClr val="000000"/>
+                </a:solidFill>
+                <a:latin typeface="Arial"/>
+                <a:ea typeface="DejaVu Sans"/>
+              </a:rPr>
+              <a:t>统计未关闭的流</a:t>
+            </a:r>
+            <a:endParaRPr lang="en-US" sz="1800" b="0" strike="noStrike" spc="-1">
+              <a:latin typeface="Arial"/>
+            </a:endParaRPr>
+          </a:p>
+        </p:txBody>
+      </p:sp>
+      <p:pic>
+        <p:nvPicPr>
+          <p:cNvPr id="409" name="图片 352"/>
+          <p:cNvPicPr/>
+          <p:nvPr/>
+        </p:nvPicPr>
+        <p:blipFill>
+          <a:blip r:embed="rId2"/>
+          <a:stretch/>
+        </p:blipFill>
+        <p:spPr>
+          <a:xfrm>
+            <a:off x="840600" y="1004760"/>
+            <a:ext cx="10350360" cy="5177160"/>
+          </a:xfrm>
+          <a:prstGeom prst="rect">
+            <a:avLst/>
+          </a:prstGeom>
+          <a:ln>
+            <a:noFill/>
+          </a:ln>
+        </p:spPr>
+      </p:pic>
+    </p:spTree>
+  </p:cSld>
+  <p:clrMapOvr>
+    <a:masterClrMapping/>
+  </p:clrMapOvr>
+  <p:timing>
+    <p:tnLst>
+      <p:par>
+        <p:cTn id="1" dur="indefinite" restart="never" nodeType="tmRoot">
+          <p:childTnLst>
+            <p:seq>
+              <p:cTn id="2" dur="indefinite" nodeType="mainSeq"/>
+              <p:prevCondLst>
+                <p:cond evt="onPrev" delay="0">
+                  <p:tgtEl>
+                    <p:sldTgt/>
+                  </p:tgtEl>
+                </p:cond>
+              </p:prevCondLst>
+              <p:nextCondLst>
+                <p:cond evt="onNext" delay="0">
+                  <p:tgtEl>
+                    <p:sldTgt/>
+                  </p:tgtEl>
+                </p:cond>
+              </p:nextCondLst>
+            </p:seq>
+          </p:childTnLst>
+        </p:cTn>
+      </p:par>
+    </p:tnLst>
+  </p:timing>
+</p:sld>
+</file>
+
+<file path=ppt/slides/slide31.xml><?xml version="1.0" encoding="utf-8"?>
+<p:sld xmlns:a="http://schemas.openxmlformats.org/drawingml/2006/main" xmlns:r="http://schemas.openxmlformats.org/officeDocument/2006/relationships" xmlns:p="http://schemas.openxmlformats.org/presentationml/2006/main">
+  <p:cSld>
+    <p:spTree>
+      <p:nvGrpSpPr>
+        <p:cNvPr id="1" name=""/>
+        <p:cNvGrpSpPr/>
+        <p:nvPr/>
+      </p:nvGrpSpPr>
+      <p:grpSpPr>
+        <a:xfrm>
+          <a:off x="0" y="0"/>
+          <a:ext cx="0" cy="0"/>
+          <a:chOff x="0" y="0"/>
+          <a:chExt cx="0" cy="0"/>
+        </a:xfrm>
+      </p:grpSpPr>
+      <p:sp>
+        <p:nvSpPr>
+          <p:cNvPr id="410" name="CustomShape 1"/>
+          <p:cNvSpPr/>
+          <p:nvPr/>
+        </p:nvSpPr>
+        <p:spPr>
+          <a:xfrm>
+            <a:off x="6187680" y="3343320"/>
+            <a:ext cx="174600" cy="174600"/>
+          </a:xfrm>
+          <a:prstGeom prst="ellipse">
+            <a:avLst/>
+          </a:prstGeom>
+          <a:solidFill>
+            <a:srgbClr val="0E0E0E"/>
+          </a:solidFill>
+          <a:ln w="12600">
+            <a:noFill/>
+          </a:ln>
+        </p:spPr>
+        <p:style>
+          <a:lnRef idx="0">
+            <a:scrgbClr r="0" g="0" b="0"/>
+          </a:lnRef>
+          <a:fillRef idx="0">
+            <a:scrgbClr r="0" g="0" b="0"/>
+          </a:fillRef>
+          <a:effectRef idx="0">
+            <a:scrgbClr r="0" g="0" b="0"/>
+          </a:effectRef>
+          <a:fontRef idx="minor"/>
+        </p:style>
+      </p:sp>
+      <p:sp>
+        <p:nvSpPr>
+          <p:cNvPr id="411" name="CustomShape 2"/>
+          <p:cNvSpPr/>
+          <p:nvPr/>
+        </p:nvSpPr>
+        <p:spPr>
+          <a:xfrm>
+            <a:off x="6264000" y="2448000"/>
+            <a:ext cx="5469120" cy="1299600"/>
+          </a:xfrm>
+          <a:prstGeom prst="rect">
+            <a:avLst/>
+          </a:prstGeom>
+          <a:noFill/>
+          <a:ln>
+            <a:noFill/>
+          </a:ln>
+        </p:spPr>
+        <p:style>
+          <a:lnRef idx="0">
+            <a:scrgbClr r="0" g="0" b="0"/>
+          </a:lnRef>
+          <a:fillRef idx="0">
+            <a:scrgbClr r="0" g="0" b="0"/>
+          </a:fillRef>
+          <a:effectRef idx="0">
+            <a:scrgbClr r="0" g="0" b="0"/>
+          </a:effectRef>
+          <a:fontRef idx="minor"/>
+        </p:style>
+        <p:txBody>
+          <a:bodyPr lIns="90000" tIns="45000" rIns="90000" bIns="45000"/>
+          <a:lstStyle/>
+          <a:p>
+            <a:pPr>
+              <a:lnSpc>
+                <a:spcPct val="100000"/>
+              </a:lnSpc>
+            </a:pPr>
+            <a:r>
+              <a:rPr lang="en-US" sz="5400" b="0" strike="noStrike" spc="75">
+                <a:solidFill>
+                  <a:srgbClr val="000000"/>
+                </a:solidFill>
+                <a:latin typeface="明兰"/>
+                <a:ea typeface="明兰"/>
+              </a:rPr>
+              <a:t>内存泄漏</a:t>
+            </a:r>
+            <a:endParaRPr lang="en-US" sz="5400" b="0" strike="noStrike" spc="-1">
+              <a:latin typeface="Arial"/>
+            </a:endParaRPr>
+          </a:p>
+        </p:txBody>
+      </p:sp>
+      <p:sp>
+        <p:nvSpPr>
+          <p:cNvPr id="412" name="Line 3"/>
+          <p:cNvSpPr/>
+          <p:nvPr/>
+        </p:nvSpPr>
+        <p:spPr>
+          <a:xfrm flipV="1">
+            <a:off x="0" y="3431880"/>
+            <a:ext cx="6187320" cy="4320"/>
+          </a:xfrm>
+          <a:prstGeom prst="line">
+            <a:avLst/>
+          </a:prstGeom>
+          <a:ln w="25560">
+            <a:solidFill>
+              <a:srgbClr val="0E0E0E"/>
+            </a:solidFill>
+            <a:miter/>
+          </a:ln>
+        </p:spPr>
+        <p:style>
+          <a:lnRef idx="0">
+            <a:scrgbClr r="0" g="0" b="0"/>
+          </a:lnRef>
+          <a:fillRef idx="0">
+            <a:scrgbClr r="0" g="0" b="0"/>
+          </a:fillRef>
+          <a:effectRef idx="0">
+            <a:scrgbClr r="0" g="0" b="0"/>
+          </a:effectRef>
+          <a:fontRef idx="minor"/>
+        </p:style>
+      </p:sp>
+      <p:grpSp>
+        <p:nvGrpSpPr>
+          <p:cNvPr id="413" name="Group 4"/>
+          <p:cNvGrpSpPr/>
+          <p:nvPr/>
+        </p:nvGrpSpPr>
+        <p:grpSpPr>
+          <a:xfrm>
+            <a:off x="2057400" y="2703240"/>
+            <a:ext cx="3868200" cy="1362960"/>
+            <a:chOff x="2057400" y="2703240"/>
+            <a:chExt cx="3868200" cy="1362960"/>
+          </a:xfrm>
+        </p:grpSpPr>
+        <p:sp>
+          <p:nvSpPr>
+            <p:cNvPr id="414" name="CustomShape 5"/>
+            <p:cNvSpPr/>
+            <p:nvPr/>
+          </p:nvSpPr>
+          <p:spPr>
+            <a:xfrm>
+              <a:off x="2462760" y="2808360"/>
+              <a:ext cx="86760" cy="86760"/>
+            </a:xfrm>
+            <a:prstGeom prst="ellipse">
+              <a:avLst/>
+            </a:prstGeom>
+            <a:solidFill>
+              <a:srgbClr val="0E0E0E">
+                <a:alpha val="60000"/>
+              </a:srgbClr>
+            </a:solidFill>
+            <a:ln w="12600">
+              <a:noFill/>
+            </a:ln>
+          </p:spPr>
+          <p:style>
+            <a:lnRef idx="0">
+              <a:scrgbClr r="0" g="0" b="0"/>
+            </a:lnRef>
+            <a:fillRef idx="0">
+              <a:scrgbClr r="0" g="0" b="0"/>
+            </a:fillRef>
+            <a:effectRef idx="0">
+              <a:scrgbClr r="0" g="0" b="0"/>
+            </a:effectRef>
+            <a:fontRef idx="minor"/>
+          </p:style>
+        </p:sp>
+        <p:sp>
+          <p:nvSpPr>
+            <p:cNvPr id="415" name="CustomShape 6"/>
+            <p:cNvSpPr/>
+            <p:nvPr/>
+          </p:nvSpPr>
+          <p:spPr>
+            <a:xfrm>
+              <a:off x="3585240" y="3172320"/>
+              <a:ext cx="83520" cy="83520"/>
+            </a:xfrm>
+            <a:prstGeom prst="ellipse">
+              <a:avLst/>
+            </a:prstGeom>
+            <a:solidFill>
+              <a:srgbClr val="0E0E0E">
+                <a:alpha val="57000"/>
+              </a:srgbClr>
+            </a:solidFill>
+            <a:ln w="12600">
+              <a:noFill/>
+            </a:ln>
+          </p:spPr>
+          <p:style>
+            <a:lnRef idx="0">
+              <a:scrgbClr r="0" g="0" b="0"/>
+            </a:lnRef>
+            <a:fillRef idx="0">
+              <a:scrgbClr r="0" g="0" b="0"/>
+            </a:fillRef>
+            <a:effectRef idx="0">
+              <a:scrgbClr r="0" g="0" b="0"/>
+            </a:effectRef>
+            <a:fontRef idx="minor"/>
+          </p:style>
+        </p:sp>
+        <p:sp>
+          <p:nvSpPr>
+            <p:cNvPr id="416" name="CustomShape 7"/>
+            <p:cNvSpPr/>
+            <p:nvPr/>
+          </p:nvSpPr>
+          <p:spPr>
+            <a:xfrm>
+              <a:off x="4404960" y="3312720"/>
+              <a:ext cx="80280" cy="80280"/>
+            </a:xfrm>
+            <a:prstGeom prst="ellipse">
+              <a:avLst/>
+            </a:prstGeom>
+            <a:solidFill>
+              <a:srgbClr val="0E0E0E">
+                <a:alpha val="53000"/>
+              </a:srgbClr>
+            </a:solidFill>
+            <a:ln w="12600">
+              <a:noFill/>
+            </a:ln>
+          </p:spPr>
+          <p:style>
+            <a:lnRef idx="0">
+              <a:scrgbClr r="0" g="0" b="0"/>
+            </a:lnRef>
+            <a:fillRef idx="0">
+              <a:scrgbClr r="0" g="0" b="0"/>
+            </a:fillRef>
+            <a:effectRef idx="0">
+              <a:scrgbClr r="0" g="0" b="0"/>
+            </a:effectRef>
+            <a:fontRef idx="minor"/>
+          </p:style>
+        </p:sp>
+        <p:sp>
+          <p:nvSpPr>
+            <p:cNvPr id="417" name="CustomShape 8"/>
+            <p:cNvSpPr/>
+            <p:nvPr/>
+          </p:nvSpPr>
+          <p:spPr>
+            <a:xfrm>
+              <a:off x="3570480" y="3697920"/>
+              <a:ext cx="77040" cy="77040"/>
+            </a:xfrm>
+            <a:prstGeom prst="ellipse">
+              <a:avLst/>
+            </a:prstGeom>
+            <a:solidFill>
+              <a:srgbClr val="0E0E0E">
+                <a:alpha val="50000"/>
+              </a:srgbClr>
+            </a:solidFill>
+            <a:ln w="12600">
+              <a:noFill/>
+            </a:ln>
+          </p:spPr>
+          <p:style>
+            <a:lnRef idx="0">
+              <a:scrgbClr r="0" g="0" b="0"/>
+            </a:lnRef>
+            <a:fillRef idx="0">
+              <a:scrgbClr r="0" g="0" b="0"/>
+            </a:fillRef>
+            <a:effectRef idx="0">
+              <a:scrgbClr r="0" g="0" b="0"/>
+            </a:effectRef>
+            <a:fontRef idx="minor"/>
+          </p:style>
+        </p:sp>
+        <p:sp>
+          <p:nvSpPr>
+            <p:cNvPr id="418" name="CustomShape 9"/>
+            <p:cNvSpPr/>
+            <p:nvPr/>
+          </p:nvSpPr>
+          <p:spPr>
+            <a:xfrm>
+              <a:off x="5595480" y="3331440"/>
+              <a:ext cx="73800" cy="73800"/>
+            </a:xfrm>
+            <a:prstGeom prst="ellipse">
+              <a:avLst/>
+            </a:prstGeom>
+            <a:solidFill>
+              <a:srgbClr val="0E0E0E">
+                <a:alpha val="46000"/>
+              </a:srgbClr>
+            </a:solidFill>
+            <a:ln w="12600">
+              <a:noFill/>
+            </a:ln>
+          </p:spPr>
+          <p:style>
+            <a:lnRef idx="0">
+              <a:scrgbClr r="0" g="0" b="0"/>
+            </a:lnRef>
+            <a:fillRef idx="0">
+              <a:scrgbClr r="0" g="0" b="0"/>
+            </a:fillRef>
+            <a:effectRef idx="0">
+              <a:scrgbClr r="0" g="0" b="0"/>
+            </a:effectRef>
+            <a:fontRef idx="minor"/>
+          </p:style>
+        </p:sp>
+        <p:sp>
+          <p:nvSpPr>
+            <p:cNvPr id="419" name="CustomShape 10"/>
+            <p:cNvSpPr/>
+            <p:nvPr/>
+          </p:nvSpPr>
+          <p:spPr>
+            <a:xfrm>
+              <a:off x="5883120" y="3524400"/>
+              <a:ext cx="42480" cy="42480"/>
+            </a:xfrm>
+            <a:prstGeom prst="ellipse">
+              <a:avLst/>
+            </a:prstGeom>
+            <a:solidFill>
+              <a:srgbClr val="0E0E0E">
+                <a:alpha val="42000"/>
+              </a:srgbClr>
+            </a:solidFill>
+            <a:ln w="12600">
+              <a:noFill/>
+            </a:ln>
+          </p:spPr>
+          <p:style>
+            <a:lnRef idx="0">
+              <a:scrgbClr r="0" g="0" b="0"/>
+            </a:lnRef>
+            <a:fillRef idx="0">
+              <a:scrgbClr r="0" g="0" b="0"/>
+            </a:fillRef>
+            <a:effectRef idx="0">
+              <a:scrgbClr r="0" g="0" b="0"/>
+            </a:effectRef>
+            <a:fontRef idx="minor"/>
+          </p:style>
+        </p:sp>
+        <p:sp>
+          <p:nvSpPr>
+            <p:cNvPr id="420" name="CustomShape 11"/>
+            <p:cNvSpPr/>
+            <p:nvPr/>
+          </p:nvSpPr>
+          <p:spPr>
+            <a:xfrm>
+              <a:off x="4201560" y="3609000"/>
+              <a:ext cx="66960" cy="66960"/>
+            </a:xfrm>
+            <a:prstGeom prst="ellipse">
+              <a:avLst/>
+            </a:prstGeom>
+            <a:solidFill>
+              <a:srgbClr val="0E0E0E">
+                <a:alpha val="39000"/>
+              </a:srgbClr>
+            </a:solidFill>
+            <a:ln w="12600">
+              <a:noFill/>
+            </a:ln>
+          </p:spPr>
+          <p:style>
+            <a:lnRef idx="0">
+              <a:scrgbClr r="0" g="0" b="0"/>
+            </a:lnRef>
+            <a:fillRef idx="0">
+              <a:scrgbClr r="0" g="0" b="0"/>
+            </a:fillRef>
+            <a:effectRef idx="0">
+              <a:scrgbClr r="0" g="0" b="0"/>
+            </a:effectRef>
+            <a:fontRef idx="minor"/>
+          </p:style>
+        </p:sp>
+        <p:sp>
+          <p:nvSpPr>
+            <p:cNvPr id="421" name="CustomShape 12"/>
+            <p:cNvSpPr/>
+            <p:nvPr/>
+          </p:nvSpPr>
+          <p:spPr>
+            <a:xfrm>
+              <a:off x="2442960" y="4002480"/>
+              <a:ext cx="63720" cy="63720"/>
+            </a:xfrm>
+            <a:prstGeom prst="ellipse">
+              <a:avLst/>
+            </a:prstGeom>
+            <a:solidFill>
+              <a:srgbClr val="0E0E0E">
+                <a:alpha val="35000"/>
+              </a:srgbClr>
+            </a:solidFill>
+            <a:ln w="12600">
+              <a:noFill/>
+            </a:ln>
+          </p:spPr>
+          <p:style>
+            <a:lnRef idx="0">
+              <a:scrgbClr r="0" g="0" b="0"/>
+            </a:lnRef>
+            <a:fillRef idx="0">
+              <a:scrgbClr r="0" g="0" b="0"/>
+            </a:fillRef>
+            <a:effectRef idx="0">
+              <a:scrgbClr r="0" g="0" b="0"/>
+            </a:effectRef>
+            <a:fontRef idx="minor"/>
+          </p:style>
+        </p:sp>
+        <p:sp>
+          <p:nvSpPr>
+            <p:cNvPr id="422" name="CustomShape 13"/>
+            <p:cNvSpPr/>
+            <p:nvPr/>
+          </p:nvSpPr>
+          <p:spPr>
+            <a:xfrm>
+              <a:off x="2057400" y="2703240"/>
+              <a:ext cx="60480" cy="60480"/>
+            </a:xfrm>
+            <a:prstGeom prst="ellipse">
+              <a:avLst/>
+            </a:prstGeom>
+            <a:solidFill>
+              <a:srgbClr val="0E0E0E">
+                <a:alpha val="31000"/>
+              </a:srgbClr>
+            </a:solidFill>
+            <a:ln w="12600">
+              <a:noFill/>
+            </a:ln>
+          </p:spPr>
+          <p:style>
+            <a:lnRef idx="0">
+              <a:scrgbClr r="0" g="0" b="0"/>
+            </a:lnRef>
+            <a:fillRef idx="0">
+              <a:scrgbClr r="0" g="0" b="0"/>
+            </a:fillRef>
+            <a:effectRef idx="0">
+              <a:scrgbClr r="0" g="0" b="0"/>
+            </a:effectRef>
+            <a:fontRef idx="minor"/>
+          </p:style>
+        </p:sp>
+        <p:sp>
+          <p:nvSpPr>
+            <p:cNvPr id="423" name="CustomShape 14"/>
+            <p:cNvSpPr/>
+            <p:nvPr/>
+          </p:nvSpPr>
+          <p:spPr>
+            <a:xfrm>
+              <a:off x="3089880" y="3704400"/>
+              <a:ext cx="57240" cy="57240"/>
+            </a:xfrm>
+            <a:prstGeom prst="ellipse">
+              <a:avLst/>
+            </a:prstGeom>
+            <a:solidFill>
+              <a:srgbClr val="0E0E0E">
+                <a:alpha val="28000"/>
+              </a:srgbClr>
+            </a:solidFill>
+            <a:ln w="12600">
+              <a:noFill/>
+            </a:ln>
+          </p:spPr>
+          <p:style>
+            <a:lnRef idx="0">
+              <a:scrgbClr r="0" g="0" b="0"/>
+            </a:lnRef>
+            <a:fillRef idx="0">
+              <a:scrgbClr r="0" g="0" b="0"/>
+            </a:fillRef>
+            <a:effectRef idx="0">
+              <a:scrgbClr r="0" g="0" b="0"/>
+            </a:effectRef>
+            <a:fontRef idx="minor"/>
+          </p:style>
+        </p:sp>
+        <p:sp>
+          <p:nvSpPr>
+            <p:cNvPr id="424" name="CustomShape 15"/>
+            <p:cNvSpPr/>
+            <p:nvPr/>
+          </p:nvSpPr>
+          <p:spPr>
+            <a:xfrm>
+              <a:off x="2779560" y="3142440"/>
+              <a:ext cx="54000" cy="54000"/>
+            </a:xfrm>
+            <a:prstGeom prst="ellipse">
+              <a:avLst/>
+            </a:prstGeom>
+            <a:solidFill>
+              <a:srgbClr val="0E0E0E">
+                <a:alpha val="24000"/>
+              </a:srgbClr>
+            </a:solidFill>
+            <a:ln w="12600">
+              <a:noFill/>
+            </a:ln>
+          </p:spPr>
+          <p:style>
+            <a:lnRef idx="0">
+              <a:scrgbClr r="0" g="0" b="0"/>
+            </a:lnRef>
+            <a:fillRef idx="0">
+              <a:scrgbClr r="0" g="0" b="0"/>
+            </a:fillRef>
+            <a:effectRef idx="0">
+              <a:scrgbClr r="0" g="0" b="0"/>
+            </a:effectRef>
+            <a:fontRef idx="minor"/>
+          </p:style>
+        </p:sp>
+        <p:sp>
+          <p:nvSpPr>
+            <p:cNvPr id="425" name="CustomShape 16"/>
+            <p:cNvSpPr/>
+            <p:nvPr/>
+          </p:nvSpPr>
+          <p:spPr>
+            <a:xfrm>
+              <a:off x="4971600" y="3633480"/>
+              <a:ext cx="50760" cy="50760"/>
+            </a:xfrm>
+            <a:prstGeom prst="ellipse">
+              <a:avLst/>
+            </a:prstGeom>
+            <a:solidFill>
+              <a:srgbClr val="0E0E0E">
+                <a:alpha val="20000"/>
+              </a:srgbClr>
+            </a:solidFill>
+            <a:ln w="12600">
+              <a:noFill/>
+            </a:ln>
+          </p:spPr>
+          <p:style>
+            <a:lnRef idx="0">
+              <a:scrgbClr r="0" g="0" b="0"/>
+            </a:lnRef>
+            <a:fillRef idx="0">
+              <a:scrgbClr r="0" g="0" b="0"/>
+            </a:fillRef>
+            <a:effectRef idx="0">
+              <a:scrgbClr r="0" g="0" b="0"/>
+            </a:effectRef>
+            <a:fontRef idx="minor"/>
+          </p:style>
+        </p:sp>
+      </p:grpSp>
+      <p:grpSp>
+        <p:nvGrpSpPr>
+          <p:cNvPr id="426" name="Group 17"/>
+          <p:cNvGrpSpPr/>
+          <p:nvPr/>
+        </p:nvGrpSpPr>
+        <p:grpSpPr>
+          <a:xfrm>
+            <a:off x="2662560" y="2972880"/>
+            <a:ext cx="2717280" cy="868320"/>
+            <a:chOff x="2662560" y="2972880"/>
+            <a:chExt cx="2717280" cy="868320"/>
+          </a:xfrm>
+        </p:grpSpPr>
+        <p:sp>
+          <p:nvSpPr>
+            <p:cNvPr id="427" name="CustomShape 18"/>
+            <p:cNvSpPr/>
+            <p:nvPr/>
+          </p:nvSpPr>
+          <p:spPr>
+            <a:xfrm>
+              <a:off x="3084120" y="3043800"/>
+              <a:ext cx="39960" cy="39960"/>
+            </a:xfrm>
+            <a:prstGeom prst="ellipse">
+              <a:avLst/>
+            </a:prstGeom>
+            <a:solidFill>
+              <a:srgbClr val="0E0E0E">
+                <a:alpha val="60000"/>
+              </a:srgbClr>
+            </a:solidFill>
+            <a:ln w="12600">
+              <a:noFill/>
+            </a:ln>
+          </p:spPr>
+          <p:style>
+            <a:lnRef idx="0">
+              <a:scrgbClr r="0" g="0" b="0"/>
+            </a:lnRef>
+            <a:fillRef idx="0">
+              <a:scrgbClr r="0" g="0" b="0"/>
+            </a:fillRef>
+            <a:effectRef idx="0">
+              <a:scrgbClr r="0" g="0" b="0"/>
+            </a:effectRef>
+            <a:fontRef idx="minor"/>
+          </p:style>
+        </p:sp>
+        <p:sp>
+          <p:nvSpPr>
+            <p:cNvPr id="428" name="CustomShape 19"/>
+            <p:cNvSpPr/>
+            <p:nvPr/>
+          </p:nvSpPr>
+          <p:spPr>
+            <a:xfrm>
+              <a:off x="4023360" y="3223440"/>
+              <a:ext cx="39960" cy="39960"/>
+            </a:xfrm>
+            <a:prstGeom prst="ellipse">
+              <a:avLst/>
+            </a:prstGeom>
+            <a:solidFill>
+              <a:srgbClr val="0E0E0E">
+                <a:alpha val="57000"/>
+              </a:srgbClr>
+            </a:solidFill>
+            <a:ln w="12600">
+              <a:noFill/>
+            </a:ln>
+          </p:spPr>
+          <p:style>
+            <a:lnRef idx="0">
+              <a:scrgbClr r="0" g="0" b="0"/>
+            </a:lnRef>
+            <a:fillRef idx="0">
+              <a:scrgbClr r="0" g="0" b="0"/>
+            </a:fillRef>
+            <a:effectRef idx="0">
+              <a:scrgbClr r="0" g="0" b="0"/>
+            </a:effectRef>
+            <a:fontRef idx="minor"/>
+          </p:style>
+        </p:sp>
+        <p:sp>
+          <p:nvSpPr>
+            <p:cNvPr id="429" name="CustomShape 20"/>
+            <p:cNvSpPr/>
+            <p:nvPr/>
+          </p:nvSpPr>
+          <p:spPr>
+            <a:xfrm>
+              <a:off x="4822560" y="3265200"/>
+              <a:ext cx="39960" cy="39960"/>
+            </a:xfrm>
+            <a:prstGeom prst="ellipse">
+              <a:avLst/>
+            </a:prstGeom>
+            <a:solidFill>
+              <a:srgbClr val="0E0E0E">
+                <a:alpha val="53000"/>
+              </a:srgbClr>
+            </a:solidFill>
+            <a:ln w="12600">
+              <a:noFill/>
+            </a:ln>
+          </p:spPr>
+          <p:style>
+            <a:lnRef idx="0">
+              <a:scrgbClr r="0" g="0" b="0"/>
+            </a:lnRef>
+            <a:fillRef idx="0">
+              <a:scrgbClr r="0" g="0" b="0"/>
+            </a:fillRef>
+            <a:effectRef idx="0">
+              <a:scrgbClr r="0" g="0" b="0"/>
+            </a:effectRef>
+            <a:fontRef idx="minor"/>
+          </p:style>
+        </p:sp>
+        <p:sp>
+          <p:nvSpPr>
+            <p:cNvPr id="430" name="CustomShape 21"/>
+            <p:cNvSpPr/>
+            <p:nvPr/>
+          </p:nvSpPr>
+          <p:spPr>
+            <a:xfrm>
+              <a:off x="3911040" y="3646080"/>
+              <a:ext cx="39960" cy="39960"/>
+            </a:xfrm>
+            <a:prstGeom prst="ellipse">
+              <a:avLst/>
+            </a:prstGeom>
+            <a:solidFill>
+              <a:srgbClr val="0E0E0E">
+                <a:alpha val="50000"/>
+              </a:srgbClr>
+            </a:solidFill>
+            <a:ln w="12600">
+              <a:noFill/>
+            </a:ln>
+          </p:spPr>
+          <p:style>
+            <a:lnRef idx="0">
+              <a:scrgbClr r="0" g="0" b="0"/>
+            </a:lnRef>
+            <a:fillRef idx="0">
+              <a:scrgbClr r="0" g="0" b="0"/>
+            </a:fillRef>
+            <a:effectRef idx="0">
+              <a:scrgbClr r="0" g="0" b="0"/>
+            </a:effectRef>
+            <a:fontRef idx="minor"/>
+          </p:style>
+        </p:sp>
+        <p:sp>
+          <p:nvSpPr>
+            <p:cNvPr id="431" name="CustomShape 22"/>
+            <p:cNvSpPr/>
+            <p:nvPr/>
+          </p:nvSpPr>
+          <p:spPr>
+            <a:xfrm>
+              <a:off x="5220360" y="3316680"/>
+              <a:ext cx="39960" cy="39960"/>
+            </a:xfrm>
+            <a:prstGeom prst="ellipse">
+              <a:avLst/>
+            </a:prstGeom>
+            <a:solidFill>
+              <a:srgbClr val="0E0E0E">
+                <a:alpha val="46000"/>
+              </a:srgbClr>
+            </a:solidFill>
+            <a:ln w="12600">
+              <a:noFill/>
+            </a:ln>
+          </p:spPr>
+          <p:style>
+            <a:lnRef idx="0">
+              <a:scrgbClr r="0" g="0" b="0"/>
+            </a:lnRef>
+            <a:fillRef idx="0">
+              <a:scrgbClr r="0" g="0" b="0"/>
+            </a:fillRef>
+            <a:effectRef idx="0">
+              <a:scrgbClr r="0" g="0" b="0"/>
+            </a:effectRef>
+            <a:fontRef idx="minor"/>
+          </p:style>
+        </p:sp>
+        <p:sp>
+          <p:nvSpPr>
+            <p:cNvPr id="432" name="CustomShape 23"/>
+            <p:cNvSpPr/>
+            <p:nvPr/>
+          </p:nvSpPr>
+          <p:spPr>
+            <a:xfrm>
+              <a:off x="5339880" y="3519000"/>
+              <a:ext cx="39960" cy="39960"/>
+            </a:xfrm>
+            <a:prstGeom prst="ellipse">
+              <a:avLst/>
+            </a:prstGeom>
+            <a:solidFill>
+              <a:srgbClr val="0E0E0E">
+                <a:alpha val="42000"/>
+              </a:srgbClr>
+            </a:solidFill>
+            <a:ln w="12600">
+              <a:noFill/>
+            </a:ln>
+          </p:spPr>
+          <p:style>
+            <a:lnRef idx="0">
+              <a:scrgbClr r="0" g="0" b="0"/>
+            </a:lnRef>
+            <a:fillRef idx="0">
+              <a:scrgbClr r="0" g="0" b="0"/>
+            </a:fillRef>
+            <a:effectRef idx="0">
+              <a:scrgbClr r="0" g="0" b="0"/>
+            </a:effectRef>
+            <a:fontRef idx="minor"/>
+          </p:style>
+        </p:sp>
+        <p:sp>
+          <p:nvSpPr>
+            <p:cNvPr id="433" name="CustomShape 24"/>
+            <p:cNvSpPr/>
+            <p:nvPr/>
+          </p:nvSpPr>
+          <p:spPr>
+            <a:xfrm>
+              <a:off x="4643640" y="3540600"/>
+              <a:ext cx="39960" cy="39960"/>
+            </a:xfrm>
+            <a:prstGeom prst="ellipse">
+              <a:avLst/>
+            </a:prstGeom>
+            <a:solidFill>
+              <a:srgbClr val="0E0E0E">
+                <a:alpha val="39000"/>
+              </a:srgbClr>
+            </a:solidFill>
+            <a:ln w="12600">
+              <a:noFill/>
+            </a:ln>
+          </p:spPr>
+          <p:style>
+            <a:lnRef idx="0">
+              <a:scrgbClr r="0" g="0" b="0"/>
+            </a:lnRef>
+            <a:fillRef idx="0">
+              <a:scrgbClr r="0" g="0" b="0"/>
+            </a:fillRef>
+            <a:effectRef idx="0">
+              <a:scrgbClr r="0" g="0" b="0"/>
+            </a:effectRef>
+            <a:fontRef idx="minor"/>
+          </p:style>
+        </p:sp>
+        <p:sp>
+          <p:nvSpPr>
+            <p:cNvPr id="434" name="CustomShape 25"/>
+            <p:cNvSpPr/>
+            <p:nvPr/>
+          </p:nvSpPr>
+          <p:spPr>
+            <a:xfrm>
+              <a:off x="2894400" y="3801240"/>
+              <a:ext cx="39960" cy="39960"/>
+            </a:xfrm>
+            <a:prstGeom prst="ellipse">
+              <a:avLst/>
+            </a:prstGeom>
+            <a:solidFill>
+              <a:srgbClr val="0E0E0E">
+                <a:alpha val="35000"/>
+              </a:srgbClr>
+            </a:solidFill>
+            <a:ln w="12600">
+              <a:noFill/>
+            </a:ln>
+          </p:spPr>
+          <p:style>
+            <a:lnRef idx="0">
+              <a:scrgbClr r="0" g="0" b="0"/>
+            </a:lnRef>
+            <a:fillRef idx="0">
+              <a:scrgbClr r="0" g="0" b="0"/>
+            </a:fillRef>
+            <a:effectRef idx="0">
+              <a:scrgbClr r="0" g="0" b="0"/>
+            </a:effectRef>
+            <a:fontRef idx="minor"/>
+          </p:style>
+        </p:sp>
+        <p:sp>
+          <p:nvSpPr>
+            <p:cNvPr id="435" name="CustomShape 26"/>
+            <p:cNvSpPr/>
+            <p:nvPr/>
+          </p:nvSpPr>
+          <p:spPr>
+            <a:xfrm>
+              <a:off x="2662560" y="2972880"/>
+              <a:ext cx="39960" cy="39960"/>
+            </a:xfrm>
+            <a:prstGeom prst="ellipse">
+              <a:avLst/>
+            </a:prstGeom>
+            <a:solidFill>
+              <a:srgbClr val="0E0E0E">
+                <a:alpha val="31000"/>
+              </a:srgbClr>
+            </a:solidFill>
+            <a:ln w="12600">
+              <a:noFill/>
+            </a:ln>
+          </p:spPr>
+          <p:style>
+            <a:lnRef idx="0">
+              <a:scrgbClr r="0" g="0" b="0"/>
+            </a:lnRef>
+            <a:fillRef idx="0">
+              <a:scrgbClr r="0" g="0" b="0"/>
+            </a:fillRef>
+            <a:effectRef idx="0">
+              <a:scrgbClr r="0" g="0" b="0"/>
+            </a:effectRef>
+            <a:fontRef idx="minor"/>
+          </p:style>
+        </p:sp>
+        <p:sp>
+          <p:nvSpPr>
+            <p:cNvPr id="436" name="CustomShape 27"/>
+            <p:cNvSpPr/>
+            <p:nvPr/>
+          </p:nvSpPr>
+          <p:spPr>
+            <a:xfrm>
+              <a:off x="3415320" y="3624480"/>
+              <a:ext cx="39960" cy="39960"/>
+            </a:xfrm>
+            <a:prstGeom prst="ellipse">
+              <a:avLst/>
+            </a:prstGeom>
+            <a:solidFill>
+              <a:srgbClr val="0E0E0E">
+                <a:alpha val="28000"/>
+              </a:srgbClr>
+            </a:solidFill>
+            <a:ln w="12600">
+              <a:noFill/>
+            </a:ln>
+          </p:spPr>
+          <p:style>
+            <a:lnRef idx="0">
+              <a:scrgbClr r="0" g="0" b="0"/>
+            </a:lnRef>
+            <a:fillRef idx="0">
+              <a:scrgbClr r="0" g="0" b="0"/>
+            </a:fillRef>
+            <a:effectRef idx="0">
+              <a:scrgbClr r="0" g="0" b="0"/>
+            </a:effectRef>
+            <a:fontRef idx="minor"/>
+          </p:style>
+        </p:sp>
+        <p:sp>
+          <p:nvSpPr>
+            <p:cNvPr id="437" name="CustomShape 28"/>
+            <p:cNvSpPr/>
+            <p:nvPr/>
+          </p:nvSpPr>
+          <p:spPr>
+            <a:xfrm>
+              <a:off x="3211560" y="3199320"/>
+              <a:ext cx="39960" cy="39960"/>
+            </a:xfrm>
+            <a:prstGeom prst="ellipse">
+              <a:avLst/>
+            </a:prstGeom>
+            <a:solidFill>
+              <a:srgbClr val="0E0E0E">
+                <a:alpha val="24000"/>
+              </a:srgbClr>
+            </a:solidFill>
+            <a:ln w="12600">
+              <a:noFill/>
+            </a:ln>
+          </p:spPr>
+          <p:style>
+            <a:lnRef idx="0">
+              <a:scrgbClr r="0" g="0" b="0"/>
+            </a:lnRef>
+            <a:fillRef idx="0">
+              <a:scrgbClr r="0" g="0" b="0"/>
+            </a:fillRef>
+            <a:effectRef idx="0">
+              <a:scrgbClr r="0" g="0" b="0"/>
+            </a:effectRef>
+            <a:fontRef idx="minor"/>
+          </p:style>
+        </p:sp>
+        <p:sp>
+          <p:nvSpPr>
+            <p:cNvPr id="438" name="CustomShape 29"/>
+            <p:cNvSpPr/>
+            <p:nvPr/>
+          </p:nvSpPr>
+          <p:spPr>
+            <a:xfrm>
+              <a:off x="4966200" y="3628440"/>
+              <a:ext cx="39960" cy="39960"/>
+            </a:xfrm>
+            <a:prstGeom prst="ellipse">
+              <a:avLst/>
+            </a:prstGeom>
+            <a:solidFill>
+              <a:srgbClr val="0E0E0E">
+                <a:alpha val="20000"/>
+              </a:srgbClr>
+            </a:solidFill>
+            <a:ln w="12600">
+              <a:noFill/>
+            </a:ln>
+          </p:spPr>
+          <p:style>
+            <a:lnRef idx="0">
+              <a:scrgbClr r="0" g="0" b="0"/>
+            </a:lnRef>
+            <a:fillRef idx="0">
+              <a:scrgbClr r="0" g="0" b="0"/>
+            </a:fillRef>
+            <a:effectRef idx="0">
+              <a:scrgbClr r="0" g="0" b="0"/>
+            </a:effectRef>
+            <a:fontRef idx="minor"/>
+          </p:style>
+        </p:sp>
+      </p:grpSp>
+      <p:sp>
+        <p:nvSpPr>
+          <p:cNvPr id="439" name="CustomShape 30"/>
+          <p:cNvSpPr/>
+          <p:nvPr/>
+        </p:nvSpPr>
+        <p:spPr>
+          <a:xfrm>
+            <a:off x="1306800" y="1782000"/>
+            <a:ext cx="3519000" cy="1839240"/>
+          </a:xfrm>
+          <a:prstGeom prst="rect">
+            <a:avLst/>
+          </a:prstGeom>
+          <a:noFill/>
+          <a:ln>
+            <a:noFill/>
+          </a:ln>
+        </p:spPr>
+        <p:style>
+          <a:lnRef idx="0">
+            <a:scrgbClr r="0" g="0" b="0"/>
+          </a:lnRef>
+          <a:fillRef idx="0">
+            <a:scrgbClr r="0" g="0" b="0"/>
+          </a:fillRef>
+          <a:effectRef idx="0">
+            <a:scrgbClr r="0" g="0" b="0"/>
+          </a:effectRef>
+          <a:fontRef idx="minor"/>
+        </p:style>
+        <p:txBody>
+          <a:bodyPr lIns="90000" tIns="45000" rIns="90000" bIns="45000"/>
+          <a:lstStyle/>
+          <a:p>
+            <a:pPr algn="ctr">
+              <a:lnSpc>
+                <a:spcPct val="100000"/>
+              </a:lnSpc>
+            </a:pPr>
+            <a:r>
+              <a:rPr lang="en-US" sz="6600" b="0" strike="noStrike" spc="75">
+                <a:solidFill>
+                  <a:srgbClr val="000000"/>
+                </a:solidFill>
+                <a:latin typeface="明兰"/>
+                <a:ea typeface="明兰"/>
+              </a:rPr>
+              <a:t>Part </a:t>
+            </a:r>
+            <a:r>
+              <a:rPr lang="en-US" sz="11500" b="0" strike="noStrike" spc="75">
+                <a:solidFill>
+                  <a:srgbClr val="000000"/>
+                </a:solidFill>
+                <a:latin typeface="明兰"/>
+                <a:ea typeface="明兰"/>
+              </a:rPr>
+              <a:t>4</a:t>
+            </a:r>
+            <a:endParaRPr lang="en-US" sz="11500" b="0" strike="noStrike" spc="-1">
+              <a:latin typeface="Arial"/>
+            </a:endParaRPr>
+          </a:p>
+        </p:txBody>
+      </p:sp>
+      <p:sp>
+        <p:nvSpPr>
+          <p:cNvPr id="440" name="CustomShape 31"/>
+          <p:cNvSpPr/>
+          <p:nvPr/>
+        </p:nvSpPr>
+        <p:spPr>
+          <a:xfrm>
+            <a:off x="6800760" y="3848400"/>
+            <a:ext cx="3163320" cy="300600"/>
+          </a:xfrm>
+          <a:prstGeom prst="rect">
+            <a:avLst/>
+          </a:prstGeom>
+          <a:noFill/>
+          <a:ln>
+            <a:noFill/>
+          </a:ln>
+        </p:spPr>
+        <p:style>
+          <a:lnRef idx="0">
+            <a:scrgbClr r="0" g="0" b="0"/>
+          </a:lnRef>
+          <a:fillRef idx="0">
+            <a:scrgbClr r="0" g="0" b="0"/>
+          </a:fillRef>
+          <a:effectRef idx="0">
+            <a:scrgbClr r="0" g="0" b="0"/>
+          </a:effectRef>
+          <a:fontRef idx="minor"/>
+        </p:style>
+        <p:txBody>
+          <a:bodyPr lIns="90000" tIns="45000" rIns="90000" bIns="45000"/>
+          <a:lstStyle/>
+          <a:p>
+            <a:pPr>
+              <a:lnSpc>
+                <a:spcPct val="100000"/>
+              </a:lnSpc>
+            </a:pPr>
+            <a:r>
+              <a:rPr lang="en-US" sz="1400" b="0" strike="noStrike" spc="276">
+                <a:solidFill>
+                  <a:srgbClr val="000000"/>
+                </a:solidFill>
+                <a:latin typeface="微软雅黑 Light"/>
+                <a:ea typeface="微软雅黑 Light"/>
+              </a:rPr>
+              <a:t>Introduction</a:t>
+            </a:r>
+            <a:endParaRPr lang="en-US" sz="1400" b="0" strike="noStrike" spc="-1">
+              <a:latin typeface="Arial"/>
+            </a:endParaRPr>
+          </a:p>
+        </p:txBody>
+      </p:sp>
+    </p:spTree>
+  </p:cSld>
+  <p:clrMapOvr>
+    <a:masterClrMapping/>
+  </p:clrMapOvr>
+  <p:timing>
+    <p:tnLst>
+      <p:par>
+        <p:cTn id="1" dur="indefinite" restart="never" nodeType="tmRoot">
+          <p:childTnLst>
+            <p:seq>
+              <p:cTn id="2" dur="indefinite" nodeType="mainSeq">
+                <p:childTnLst>
+                  <p:par>
+                    <p:cTn id="3" fill="hold">
+                      <p:stCondLst>
+                        <p:cond delay="0"/>
+                      </p:stCondLst>
+                      <p:childTnLst>
+                        <p:par>
+                          <p:cTn id="4" fill="hold">
+                            <p:stCondLst>
+                              <p:cond delay="0"/>
+                            </p:stCondLst>
+                            <p:childTnLst>
+                              <p:par>
+                                <p:cTn id="5" presetID="10" presetClass="entr" fill="hold" nodeType="withEffect">
+                                  <p:stCondLst>
+                                    <p:cond delay="0"/>
+                                  </p:stCondLst>
+                                  <p:childTnLst>
+                                    <p:set>
+                                      <p:cBhvr>
+                                        <p:cTn id="6" dur="1" fill="hold">
+                                          <p:stCondLst>
+                                            <p:cond delay="0"/>
+                                          </p:stCondLst>
+                                        </p:cTn>
+                                        <p:tgtEl>
+                                          <p:spTgt spid="439"/>
+                                        </p:tgtEl>
+                                        <p:attrNameLst>
+                                          <p:attrName>style.visibility</p:attrName>
+                                        </p:attrNameLst>
+                                      </p:cBhvr>
+                                      <p:to>
+                                        <p:strVal val="visible"/>
+                                      </p:to>
+                                    </p:set>
+                                    <p:animEffect transition="in" filter="fade">
+                                      <p:cBhvr additive="repl">
+                                        <p:cTn id="7" dur="500"/>
+                                        <p:tgtEl>
+                                          <p:spTgt spid="439"/>
+                                        </p:tgtEl>
+                                      </p:cBhvr>
+                                    </p:animEffect>
+                                  </p:childTnLst>
+                                </p:cTn>
+                              </p:par>
+                              <p:par>
+                                <p:cTn id="8" presetID="10" presetClass="entr" fill="hold" nodeType="withEffect">
+                                  <p:stCondLst>
+                                    <p:cond delay="500"/>
+                                  </p:stCondLst>
+                                  <p:childTnLst>
+                                    <p:set>
+                                      <p:cBhvr>
+                                        <p:cTn id="9" dur="1" fill="hold">
+                                          <p:stCondLst>
+                                            <p:cond delay="0"/>
+                                          </p:stCondLst>
+                                        </p:cTn>
+                                        <p:tgtEl>
+                                          <p:spTgt spid="411"/>
+                                        </p:tgtEl>
+                                        <p:attrNameLst>
+                                          <p:attrName>style.visibility</p:attrName>
+                                        </p:attrNameLst>
+                                      </p:cBhvr>
+                                      <p:to>
+                                        <p:strVal val="visible"/>
+                                      </p:to>
+                                    </p:set>
+                                    <p:animEffect transition="in" filter="fade">
+                                      <p:cBhvr additive="repl">
+                                        <p:cTn id="10" dur="500"/>
+                                        <p:tgtEl>
+                                          <p:spTgt spid="411"/>
+                                        </p:tgtEl>
+                                      </p:cBhvr>
+                                    </p:animEffect>
+                                  </p:childTnLst>
+                                </p:cTn>
+                              </p:par>
+                              <p:par>
+                                <p:cTn id="11" presetID="10" presetClass="entr" fill="hold" nodeType="withEffect">
+                                  <p:stCondLst>
+                                    <p:cond delay="500"/>
+                                  </p:stCondLst>
+                                  <p:childTnLst>
+                                    <p:set>
+                                      <p:cBhvr>
+                                        <p:cTn id="12" dur="1" fill="hold">
+                                          <p:stCondLst>
+                                            <p:cond delay="0"/>
+                                          </p:stCondLst>
+                                        </p:cTn>
+                                        <p:tgtEl>
+                                          <p:spTgt spid="440"/>
+                                        </p:tgtEl>
+                                        <p:attrNameLst>
+                                          <p:attrName>style.visibility</p:attrName>
+                                        </p:attrNameLst>
+                                      </p:cBhvr>
+                                      <p:to>
+                                        <p:strVal val="visible"/>
+                                      </p:to>
+                                    </p:set>
+                                    <p:animEffect transition="in" filter="fade">
+                                      <p:cBhvr additive="repl">
+                                        <p:cTn id="13" dur="500"/>
+                                        <p:tgtEl>
+                                          <p:spTgt spid="440"/>
+                                        </p:tgtEl>
+                                      </p:cBhvr>
+                                    </p:animEffect>
+                                  </p:childTnLst>
+                                </p:cTn>
+                              </p:par>
+                            </p:childTnLst>
+                          </p:cTn>
+                        </p:par>
+                      </p:childTnLst>
+                    </p:cTn>
+                  </p:par>
+                </p:childTnLst>
+              </p:cTn>
+              <p:prevCondLst>
+                <p:cond evt="onPrev" delay="0">
+                  <p:tgtEl>
+                    <p:sldTgt/>
+                  </p:tgtEl>
+                </p:cond>
+              </p:prevCondLst>
+              <p:nextCondLst>
+                <p:cond evt="onNext" delay="0">
+                  <p:tgtEl>
+                    <p:sldTgt/>
+                  </p:tgtEl>
+                </p:cond>
+              </p:nextCondLst>
+            </p:seq>
+          </p:childTnLst>
+        </p:cTn>
+      </p:par>
+    </p:tnLst>
+  </p:timing>
+</p:sld>
+</file>
+
+<file path=ppt/slides/slide32.xml><?xml version="1.0" encoding="utf-8"?>
 <p:sld xmlns:a="http://schemas.openxmlformats.org/drawingml/2006/main" xmlns:r="http://schemas.openxmlformats.org/officeDocument/2006/relationships" xmlns:p="http://schemas.openxmlformats.org/presentationml/2006/main">
   <p:cSld>
     <p:spTree>
@@ -23394,7 +23509,7 @@
 </p:sld>
 </file>
 
-<file path=ppt/slides/slide31.xml><?xml version="1.0" encoding="utf-8"?>
+<file path=ppt/slides/slide33.xml><?xml version="1.0" encoding="utf-8"?>
 <p:sld xmlns:a="http://schemas.openxmlformats.org/drawingml/2006/main" xmlns:r="http://schemas.openxmlformats.org/officeDocument/2006/relationships" xmlns:p="http://schemas.openxmlformats.org/presentationml/2006/main">
   <p:cSld>
     <p:spTree>
@@ -23495,17 +23610,27 @@
               <a:buChar char="•"/>
             </a:pPr>
             <a:r>
-              <a:rPr lang="en-US" sz="2800" b="0" strike="noStrike" spc="-1">
+              <a:rPr lang="en-US" sz="2800" b="0" strike="noStrike" spc="-1" dirty="0">
                 <a:solidFill>
                   <a:srgbClr val="000000"/>
                 </a:solidFill>
                 <a:latin typeface="Arial"/>
                 <a:ea typeface="DejaVu Sans"/>
               </a:rPr>
-              <a:t> 获取当前所有堆栈Debug.</a:t>
+              <a:t> </a:t>
             </a:r>
             <a:r>
-              <a:rPr lang="en-US" sz="2800" b="0" i="1" strike="noStrike" spc="-1">
+              <a:rPr lang="en-US" sz="2800" b="0" strike="noStrike" spc="-1" dirty="0" err="1">
+                <a:solidFill>
+                  <a:srgbClr val="000000"/>
+                </a:solidFill>
+                <a:latin typeface="Arial"/>
+                <a:ea typeface="DejaVu Sans"/>
+              </a:rPr>
+              <a:t>获取当前所有堆栈Debug.</a:t>
+            </a:r>
+            <a:r>
+              <a:rPr lang="en-US" sz="2800" b="0" i="1" strike="noStrike" spc="-1" dirty="0" err="1">
                 <a:solidFill>
                   <a:srgbClr val="000000"/>
                 </a:solidFill>
@@ -23515,16 +23640,36 @@
               <a:t>dumpHprofData</a:t>
             </a:r>
             <a:r>
-              <a:rPr lang="en-US" sz="2800" b="0" strike="noStrike" spc="-1">
+              <a:rPr lang="en-US" sz="2800" b="0" strike="noStrike" spc="-1" dirty="0">
                 <a:solidFill>
                   <a:srgbClr val="000000"/>
                 </a:solidFill>
                 <a:latin typeface="Arial"/>
                 <a:ea typeface="DejaVu Sans"/>
               </a:rPr>
-              <a:t>(hprofFile.getAbsolutePath());</a:t>
+              <a:t>(</a:t>
             </a:r>
-            <a:endParaRPr lang="en-US" sz="2800" b="0" strike="noStrike" spc="-1">
+            <a:r>
+              <a:rPr lang="en-US" sz="2800" b="0" strike="noStrike" spc="-1" dirty="0" err="1">
+                <a:solidFill>
+                  <a:srgbClr val="000000"/>
+                </a:solidFill>
+                <a:latin typeface="Arial"/>
+                <a:ea typeface="DejaVu Sans"/>
+              </a:rPr>
+              <a:t>hprofFile.getAbsolutePath</a:t>
+            </a:r>
+            <a:r>
+              <a:rPr lang="en-US" sz="2800" b="0" strike="noStrike" spc="-1" dirty="0">
+                <a:solidFill>
+                  <a:srgbClr val="000000"/>
+                </a:solidFill>
+                <a:latin typeface="Arial"/>
+                <a:ea typeface="DejaVu Sans"/>
+              </a:rPr>
+              <a:t>());</a:t>
+            </a:r>
+            <a:endParaRPr lang="en-US" sz="2800" b="0" strike="noStrike" spc="-1" dirty="0">
               <a:latin typeface="Arial"/>
             </a:endParaRPr>
           </a:p>
@@ -23543,16 +23688,36 @@
               <a:buChar char="•"/>
             </a:pPr>
             <a:r>
-              <a:rPr lang="en-US" sz="2800" b="0" strike="noStrike" spc="-1">
+              <a:rPr lang="en-US" sz="2800" b="0" strike="noStrike" spc="-1" dirty="0" err="1">
                 <a:solidFill>
                   <a:srgbClr val="000000"/>
                 </a:solidFill>
                 <a:latin typeface="Arial"/>
                 <a:ea typeface="DejaVu Sans"/>
               </a:rPr>
-              <a:t>解析hrpof文件  haha库</a:t>
+              <a:t>解析hrpof文件</a:t>
             </a:r>
-            <a:endParaRPr lang="en-US" sz="2800" b="0" strike="noStrike" spc="-1">
+            <a:r>
+              <a:rPr lang="en-US" sz="2800" b="0" strike="noStrike" spc="-1" dirty="0">
+                <a:solidFill>
+                  <a:srgbClr val="000000"/>
+                </a:solidFill>
+                <a:latin typeface="Arial"/>
+                <a:ea typeface="DejaVu Sans"/>
+              </a:rPr>
+              <a:t>  </a:t>
+            </a:r>
+            <a:r>
+              <a:rPr lang="en-US" sz="2800" b="0" strike="noStrike" spc="-1" dirty="0" err="1">
+                <a:solidFill>
+                  <a:srgbClr val="000000"/>
+                </a:solidFill>
+                <a:latin typeface="Arial"/>
+                <a:ea typeface="DejaVu Sans"/>
+              </a:rPr>
+              <a:t>haha库</a:t>
+            </a:r>
+            <a:endParaRPr lang="en-US" sz="2800" b="0" strike="noStrike" spc="-1" dirty="0">
               <a:latin typeface="Arial"/>
             </a:endParaRPr>
           </a:p>
@@ -23565,7 +23730,7 @@
                 <a:spcPts val="1001"/>
               </a:spcBef>
             </a:pPr>
-            <a:endParaRPr lang="en-US" sz="2800" b="0" strike="noStrike" spc="-1">
+            <a:endParaRPr lang="en-US" sz="2800" b="0" strike="noStrike" spc="-1" dirty="0">
               <a:latin typeface="Arial"/>
             </a:endParaRPr>
           </a:p>
@@ -23578,7 +23743,7 @@
                 <a:spcPts val="1001"/>
               </a:spcBef>
             </a:pPr>
-            <a:endParaRPr lang="en-US" sz="2800" b="0" strike="noStrike" spc="-1">
+            <a:endParaRPr lang="en-US" sz="2800" b="0" strike="noStrike" spc="-1" dirty="0">
               <a:latin typeface="Arial"/>
             </a:endParaRPr>
           </a:p>
@@ -23619,7 +23784,7 @@
 </p:sld>
 </file>
 
-<file path=ppt/slides/slide32.xml><?xml version="1.0" encoding="utf-8"?>
+<file path=ppt/slides/slide34.xml><?xml version="1.0" encoding="utf-8"?>
 <p:sld xmlns:a="http://schemas.openxmlformats.org/drawingml/2006/main" xmlns:r="http://schemas.openxmlformats.org/officeDocument/2006/relationships" xmlns:p="http://schemas.openxmlformats.org/presentationml/2006/main">
   <p:cSld>
     <p:spTree>
@@ -23843,7 +24008,7 @@
 </p:sld>
 </file>
 
-<file path=ppt/slides/slide33.xml><?xml version="1.0" encoding="utf-8"?>
+<file path=ppt/slides/slide35.xml><?xml version="1.0" encoding="utf-8"?>
 <p:sld xmlns:a="http://schemas.openxmlformats.org/drawingml/2006/main" xmlns:r="http://schemas.openxmlformats.org/officeDocument/2006/relationships" xmlns:p="http://schemas.openxmlformats.org/presentationml/2006/main">
   <p:cSld>
     <p:bg>
@@ -24731,31 +24896,7 @@
                 <a:ea typeface="DejaVu Sans"/>
                 <a:hlinkClick r:id="rId4"/>
               </a:rPr>
-              <a:t> </a:t>
-            </a:r>
-            <a:r>
-              <a:rPr lang="en-US" sz="1800" b="0" u="sng" strike="noStrike" spc="-1">
-                <a:solidFill>
-                  <a:srgbClr val="0000FF"/>
-                </a:solidFill>
-                <a:uFillTx/>
-                <a:latin typeface="Arial"/>
-                <a:ea typeface="DejaVu Sans"/>
-                <a:hlinkClick r:id="rId4"/>
-              </a:rPr>
-              <a:t>Matrix </a:t>
-            </a:r>
-            <a:r>
-              <a:rPr lang="en-US" sz="1800" b="0" u="sng" strike="noStrike" spc="-1">
-                <a:solidFill>
-                  <a:srgbClr val="0000FF"/>
-                </a:solidFill>
-                <a:uFillTx/>
-                <a:latin typeface="Arial"/>
-                <a:ea typeface="DejaVu Sans"/>
-                <a:hlinkClick r:id="rId4"/>
-              </a:rPr>
-              <a:t>输出内容的含义解析</a:t>
+              <a:t> Matrix 输出内容的含义解析</a:t>
             </a:r>
             <a:endParaRPr lang="en-US" sz="1800" b="0" strike="noStrike" spc="-1">
               <a:latin typeface="Arial"/>
